--- a/images/figures.pptx
+++ b/images/figures.pptx
@@ -5,16 +5,19 @@
     <p:sldMasterId id="2147483648" r:id="rId1"/>
   </p:sldMasterIdLst>
   <p:notesMasterIdLst>
-    <p:notesMasterId r:id="rId9"/>
+    <p:notesMasterId r:id="rId12"/>
   </p:notesMasterIdLst>
   <p:sldIdLst>
     <p:sldId id="256" r:id="rId2"/>
-    <p:sldId id="258" r:id="rId3"/>
-    <p:sldId id="257" r:id="rId4"/>
-    <p:sldId id="259" r:id="rId5"/>
-    <p:sldId id="260" r:id="rId6"/>
-    <p:sldId id="261" r:id="rId7"/>
-    <p:sldId id="262" r:id="rId8"/>
+    <p:sldId id="265" r:id="rId3"/>
+    <p:sldId id="258" r:id="rId4"/>
+    <p:sldId id="257" r:id="rId5"/>
+    <p:sldId id="259" r:id="rId6"/>
+    <p:sldId id="260" r:id="rId7"/>
+    <p:sldId id="263" r:id="rId8"/>
+    <p:sldId id="261" r:id="rId9"/>
+    <p:sldId id="264" r:id="rId10"/>
+    <p:sldId id="262" r:id="rId11"/>
   </p:sldIdLst>
   <p:sldSz cx="12192000" cy="6858000"/>
   <p:notesSz cx="6858000" cy="9144000"/>
@@ -253,7 +256,7 @@
           <a:p>
             <a:fld id="{97A30E1D-8721-420A-AEA1-3A4B71A32029}" type="datetimeFigureOut">
               <a:rPr lang="en-US" smtClean="0"/>
-              <a:t>1/10/2022</a:t>
+              <a:t>2/18/2022</a:t>
             </a:fld>
             <a:endParaRPr lang="en-US"/>
           </a:p>
@@ -547,7 +550,12 @@
             <p:ph type="sldImg"/>
           </p:nvPr>
         </p:nvSpPr>
-        <p:spPr/>
+        <p:spPr>
+          <a:xfrm>
+            <a:off x="685800" y="1143000"/>
+            <a:ext cx="5486400" cy="3086100"/>
+          </a:xfrm>
+        </p:spPr>
       </p:sp>
       <p:sp>
         <p:nvSpPr>
@@ -585,7 +593,7 @@
           <a:p>
             <a:fld id="{A9FB0B48-4F67-45B7-9346-53253529E4ED}" type="slidenum">
               <a:rPr lang="en-US" smtClean="0"/>
-              <a:t>6</a:t>
+              <a:t>8</a:t>
             </a:fld>
             <a:endParaRPr lang="en-US"/>
           </a:p>
@@ -631,7 +639,12 @@
             <p:ph type="sldImg"/>
           </p:nvPr>
         </p:nvSpPr>
-        <p:spPr/>
+        <p:spPr>
+          <a:xfrm>
+            <a:off x="685800" y="1143000"/>
+            <a:ext cx="5486400" cy="3086100"/>
+          </a:xfrm>
+        </p:spPr>
       </p:sp>
       <p:sp>
         <p:nvSpPr>
@@ -669,7 +682,7 @@
           <a:p>
             <a:fld id="{A9FB0B48-4F67-45B7-9346-53253529E4ED}" type="slidenum">
               <a:rPr lang="en-US" smtClean="0"/>
-              <a:t>7</a:t>
+              <a:t>10</a:t>
             </a:fld>
             <a:endParaRPr lang="en-US"/>
           </a:p>
@@ -771,35 +784,35 @@
               <a:buNone/>
               <a:defRPr sz="2400"/>
             </a:lvl1pPr>
-            <a:lvl2pPr marL="457200" indent="0" algn="ctr">
+            <a:lvl2pPr marL="457206" indent="0" algn="ctr">
               <a:buNone/>
               <a:defRPr sz="2000"/>
             </a:lvl2pPr>
-            <a:lvl3pPr marL="914400" indent="0" algn="ctr">
+            <a:lvl3pPr marL="914411" indent="0" algn="ctr">
               <a:buNone/>
-              <a:defRPr sz="1800"/>
+              <a:defRPr sz="1801"/>
             </a:lvl3pPr>
-            <a:lvl4pPr marL="1371600" indent="0" algn="ctr">
+            <a:lvl4pPr marL="1371617" indent="0" algn="ctr">
               <a:buNone/>
               <a:defRPr sz="1600"/>
             </a:lvl4pPr>
-            <a:lvl5pPr marL="1828800" indent="0" algn="ctr">
+            <a:lvl5pPr marL="1828823" indent="0" algn="ctr">
               <a:buNone/>
               <a:defRPr sz="1600"/>
             </a:lvl5pPr>
-            <a:lvl6pPr marL="2286000" indent="0" algn="ctr">
+            <a:lvl6pPr marL="2286029" indent="0" algn="ctr">
               <a:buNone/>
               <a:defRPr sz="1600"/>
             </a:lvl6pPr>
-            <a:lvl7pPr marL="2743200" indent="0" algn="ctr">
+            <a:lvl7pPr marL="2743234" indent="0" algn="ctr">
               <a:buNone/>
               <a:defRPr sz="1600"/>
             </a:lvl7pPr>
-            <a:lvl8pPr marL="3200400" indent="0" algn="ctr">
+            <a:lvl8pPr marL="3200440" indent="0" algn="ctr">
               <a:buNone/>
               <a:defRPr sz="1600"/>
             </a:lvl8pPr>
-            <a:lvl9pPr marL="3657600" indent="0" algn="ctr">
+            <a:lvl9pPr marL="3657646" indent="0" algn="ctr">
               <a:buNone/>
               <a:defRPr sz="1600"/>
             </a:lvl9pPr>
@@ -835,7 +848,7 @@
           <a:p>
             <a:fld id="{46293296-1849-44C4-8D82-91BBEA617BF2}" type="datetimeFigureOut">
               <a:rPr lang="en-US" smtClean="0"/>
-              <a:t>1/10/2022</a:t>
+              <a:t>2/18/2022</a:t>
             </a:fld>
             <a:endParaRPr lang="en-US"/>
           </a:p>
@@ -1033,7 +1046,7 @@
           <a:p>
             <a:fld id="{46293296-1849-44C4-8D82-91BBEA617BF2}" type="datetimeFigureOut">
               <a:rPr lang="en-US" smtClean="0"/>
-              <a:t>1/10/2022</a:t>
+              <a:t>2/18/2022</a:t>
             </a:fld>
             <a:endParaRPr lang="en-US"/>
           </a:p>
@@ -1141,7 +1154,7 @@
         </p:nvSpPr>
         <p:spPr>
           <a:xfrm>
-            <a:off x="8724900" y="365125"/>
+            <a:off x="8724899" y="365125"/>
             <a:ext cx="2628900" cy="5811838"/>
           </a:xfrm>
         </p:spPr>
@@ -1174,7 +1187,7 @@
         </p:nvSpPr>
         <p:spPr>
           <a:xfrm>
-            <a:off x="838200" y="365125"/>
+            <a:off x="838199" y="365125"/>
             <a:ext cx="7734300" cy="5811838"/>
           </a:xfrm>
         </p:spPr>
@@ -1241,7 +1254,7 @@
           <a:p>
             <a:fld id="{46293296-1849-44C4-8D82-91BBEA617BF2}" type="datetimeFigureOut">
               <a:rPr lang="en-US" smtClean="0"/>
-              <a:t>1/10/2022</a:t>
+              <a:t>2/18/2022</a:t>
             </a:fld>
             <a:endParaRPr lang="en-US"/>
           </a:p>
@@ -1439,7 +1452,7 @@
           <a:p>
             <a:fld id="{46293296-1849-44C4-8D82-91BBEA617BF2}" type="datetimeFigureOut">
               <a:rPr lang="en-US" smtClean="0"/>
-              <a:t>1/10/2022</a:t>
+              <a:t>2/18/2022</a:t>
             </a:fld>
             <a:endParaRPr lang="en-US"/>
           </a:p>
@@ -1547,7 +1560,7 @@
         </p:nvSpPr>
         <p:spPr>
           <a:xfrm>
-            <a:off x="831850" y="1709738"/>
+            <a:off x="831852" y="1709738"/>
             <a:ext cx="10515600" cy="2852737"/>
           </a:xfrm>
         </p:spPr>
@@ -1584,7 +1597,7 @@
         </p:nvSpPr>
         <p:spPr>
           <a:xfrm>
-            <a:off x="831850" y="4589463"/>
+            <a:off x="831852" y="4589464"/>
             <a:ext cx="10515600" cy="1500187"/>
           </a:xfrm>
         </p:spPr>
@@ -1601,7 +1614,7 @@
                 </a:solidFill>
               </a:defRPr>
             </a:lvl1pPr>
-            <a:lvl2pPr marL="457200" indent="0">
+            <a:lvl2pPr marL="457206" indent="0">
               <a:buNone/>
               <a:defRPr sz="2000">
                 <a:solidFill>
@@ -1611,9 +1624,9 @@
                 </a:solidFill>
               </a:defRPr>
             </a:lvl2pPr>
-            <a:lvl3pPr marL="914400" indent="0">
+            <a:lvl3pPr marL="914411" indent="0">
               <a:buNone/>
-              <a:defRPr sz="1800">
+              <a:defRPr sz="1801">
                 <a:solidFill>
                   <a:schemeClr val="tx1">
                     <a:tint val="75000"/>
@@ -1621,7 +1634,7 @@
                 </a:solidFill>
               </a:defRPr>
             </a:lvl3pPr>
-            <a:lvl4pPr marL="1371600" indent="0">
+            <a:lvl4pPr marL="1371617" indent="0">
               <a:buNone/>
               <a:defRPr sz="1600">
                 <a:solidFill>
@@ -1631,7 +1644,7 @@
                 </a:solidFill>
               </a:defRPr>
             </a:lvl4pPr>
-            <a:lvl5pPr marL="1828800" indent="0">
+            <a:lvl5pPr marL="1828823" indent="0">
               <a:buNone/>
               <a:defRPr sz="1600">
                 <a:solidFill>
@@ -1641,7 +1654,7 @@
                 </a:solidFill>
               </a:defRPr>
             </a:lvl5pPr>
-            <a:lvl6pPr marL="2286000" indent="0">
+            <a:lvl6pPr marL="2286029" indent="0">
               <a:buNone/>
               <a:defRPr sz="1600">
                 <a:solidFill>
@@ -1651,7 +1664,7 @@
                 </a:solidFill>
               </a:defRPr>
             </a:lvl6pPr>
-            <a:lvl7pPr marL="2743200" indent="0">
+            <a:lvl7pPr marL="2743234" indent="0">
               <a:buNone/>
               <a:defRPr sz="1600">
                 <a:solidFill>
@@ -1661,7 +1674,7 @@
                 </a:solidFill>
               </a:defRPr>
             </a:lvl7pPr>
-            <a:lvl8pPr marL="3200400" indent="0">
+            <a:lvl8pPr marL="3200440" indent="0">
               <a:buNone/>
               <a:defRPr sz="1600">
                 <a:solidFill>
@@ -1671,7 +1684,7 @@
                 </a:solidFill>
               </a:defRPr>
             </a:lvl8pPr>
-            <a:lvl9pPr marL="3657600" indent="0">
+            <a:lvl9pPr marL="3657646" indent="0">
               <a:buNone/>
               <a:defRPr sz="1600">
                 <a:solidFill>
@@ -1714,7 +1727,7 @@
           <a:p>
             <a:fld id="{46293296-1849-44C4-8D82-91BBEA617BF2}" type="datetimeFigureOut">
               <a:rPr lang="en-US" smtClean="0"/>
-              <a:t>1/10/2022</a:t>
+              <a:t>2/18/2022</a:t>
             </a:fld>
             <a:endParaRPr lang="en-US"/>
           </a:p>
@@ -1850,7 +1863,7 @@
         </p:nvSpPr>
         <p:spPr>
           <a:xfrm>
-            <a:off x="838200" y="1825625"/>
+            <a:off x="838201" y="1825625"/>
             <a:ext cx="5181600" cy="4351338"/>
           </a:xfrm>
         </p:spPr>
@@ -1912,7 +1925,7 @@
         </p:nvSpPr>
         <p:spPr>
           <a:xfrm>
-            <a:off x="6172200" y="1825625"/>
+            <a:off x="6172201" y="1825625"/>
             <a:ext cx="5181600" cy="4351338"/>
           </a:xfrm>
         </p:spPr>
@@ -1979,7 +1992,7 @@
           <a:p>
             <a:fld id="{46293296-1849-44C4-8D82-91BBEA617BF2}" type="datetimeFigureOut">
               <a:rPr lang="en-US" smtClean="0"/>
-              <a:t>1/10/2022</a:t>
+              <a:t>2/18/2022</a:t>
             </a:fld>
             <a:endParaRPr lang="en-US"/>
           </a:p>
@@ -2087,7 +2100,7 @@
         </p:nvSpPr>
         <p:spPr>
           <a:xfrm>
-            <a:off x="839788" y="365125"/>
+            <a:off x="839789" y="365125"/>
             <a:ext cx="10515600" cy="1325563"/>
           </a:xfrm>
         </p:spPr>
@@ -2120,7 +2133,7 @@
         </p:nvSpPr>
         <p:spPr>
           <a:xfrm>
-            <a:off x="839788" y="1681163"/>
+            <a:off x="839789" y="1681163"/>
             <a:ext cx="5157787" cy="823912"/>
           </a:xfrm>
         </p:spPr>
@@ -2131,35 +2144,35 @@
               <a:buNone/>
               <a:defRPr sz="2400" b="1"/>
             </a:lvl1pPr>
-            <a:lvl2pPr marL="457200" indent="0">
+            <a:lvl2pPr marL="457206" indent="0">
               <a:buNone/>
               <a:defRPr sz="2000" b="1"/>
             </a:lvl2pPr>
-            <a:lvl3pPr marL="914400" indent="0">
+            <a:lvl3pPr marL="914411" indent="0">
               <a:buNone/>
-              <a:defRPr sz="1800" b="1"/>
+              <a:defRPr sz="1801" b="1"/>
             </a:lvl3pPr>
-            <a:lvl4pPr marL="1371600" indent="0">
+            <a:lvl4pPr marL="1371617" indent="0">
               <a:buNone/>
               <a:defRPr sz="1600" b="1"/>
             </a:lvl4pPr>
-            <a:lvl5pPr marL="1828800" indent="0">
+            <a:lvl5pPr marL="1828823" indent="0">
               <a:buNone/>
               <a:defRPr sz="1600" b="1"/>
             </a:lvl5pPr>
-            <a:lvl6pPr marL="2286000" indent="0">
+            <a:lvl6pPr marL="2286029" indent="0">
               <a:buNone/>
               <a:defRPr sz="1600" b="1"/>
             </a:lvl6pPr>
-            <a:lvl7pPr marL="2743200" indent="0">
+            <a:lvl7pPr marL="2743234" indent="0">
               <a:buNone/>
               <a:defRPr sz="1600" b="1"/>
             </a:lvl7pPr>
-            <a:lvl8pPr marL="3200400" indent="0">
+            <a:lvl8pPr marL="3200440" indent="0">
               <a:buNone/>
               <a:defRPr sz="1600" b="1"/>
             </a:lvl8pPr>
-            <a:lvl9pPr marL="3657600" indent="0">
+            <a:lvl9pPr marL="3657646" indent="0">
               <a:buNone/>
               <a:defRPr sz="1600" b="1"/>
             </a:lvl9pPr>
@@ -2191,7 +2204,7 @@
         </p:nvSpPr>
         <p:spPr>
           <a:xfrm>
-            <a:off x="839788" y="2505075"/>
+            <a:off x="839789" y="2505076"/>
             <a:ext cx="5157787" cy="3684588"/>
           </a:xfrm>
         </p:spPr>
@@ -2253,7 +2266,7 @@
         </p:nvSpPr>
         <p:spPr>
           <a:xfrm>
-            <a:off x="6172200" y="1681163"/>
+            <a:off x="6172202" y="1681163"/>
             <a:ext cx="5183188" cy="823912"/>
           </a:xfrm>
         </p:spPr>
@@ -2264,35 +2277,35 @@
               <a:buNone/>
               <a:defRPr sz="2400" b="1"/>
             </a:lvl1pPr>
-            <a:lvl2pPr marL="457200" indent="0">
+            <a:lvl2pPr marL="457206" indent="0">
               <a:buNone/>
               <a:defRPr sz="2000" b="1"/>
             </a:lvl2pPr>
-            <a:lvl3pPr marL="914400" indent="0">
+            <a:lvl3pPr marL="914411" indent="0">
               <a:buNone/>
-              <a:defRPr sz="1800" b="1"/>
+              <a:defRPr sz="1801" b="1"/>
             </a:lvl3pPr>
-            <a:lvl4pPr marL="1371600" indent="0">
+            <a:lvl4pPr marL="1371617" indent="0">
               <a:buNone/>
               <a:defRPr sz="1600" b="1"/>
             </a:lvl4pPr>
-            <a:lvl5pPr marL="1828800" indent="0">
+            <a:lvl5pPr marL="1828823" indent="0">
               <a:buNone/>
               <a:defRPr sz="1600" b="1"/>
             </a:lvl5pPr>
-            <a:lvl6pPr marL="2286000" indent="0">
+            <a:lvl6pPr marL="2286029" indent="0">
               <a:buNone/>
               <a:defRPr sz="1600" b="1"/>
             </a:lvl6pPr>
-            <a:lvl7pPr marL="2743200" indent="0">
+            <a:lvl7pPr marL="2743234" indent="0">
               <a:buNone/>
               <a:defRPr sz="1600" b="1"/>
             </a:lvl7pPr>
-            <a:lvl8pPr marL="3200400" indent="0">
+            <a:lvl8pPr marL="3200440" indent="0">
               <a:buNone/>
               <a:defRPr sz="1600" b="1"/>
             </a:lvl8pPr>
-            <a:lvl9pPr marL="3657600" indent="0">
+            <a:lvl9pPr marL="3657646" indent="0">
               <a:buNone/>
               <a:defRPr sz="1600" b="1"/>
             </a:lvl9pPr>
@@ -2324,7 +2337,7 @@
         </p:nvSpPr>
         <p:spPr>
           <a:xfrm>
-            <a:off x="6172200" y="2505075"/>
+            <a:off x="6172202" y="2505076"/>
             <a:ext cx="5183188" cy="3684588"/>
           </a:xfrm>
         </p:spPr>
@@ -2391,7 +2404,7 @@
           <a:p>
             <a:fld id="{46293296-1849-44C4-8D82-91BBEA617BF2}" type="datetimeFigureOut">
               <a:rPr lang="en-US" smtClean="0"/>
-              <a:t>1/10/2022</a:t>
+              <a:t>2/18/2022</a:t>
             </a:fld>
             <a:endParaRPr lang="en-US"/>
           </a:p>
@@ -2532,7 +2545,7 @@
           <a:p>
             <a:fld id="{46293296-1849-44C4-8D82-91BBEA617BF2}" type="datetimeFigureOut">
               <a:rPr lang="en-US" smtClean="0"/>
-              <a:t>1/10/2022</a:t>
+              <a:t>2/18/2022</a:t>
             </a:fld>
             <a:endParaRPr lang="en-US"/>
           </a:p>
@@ -2645,7 +2658,7 @@
           <a:p>
             <a:fld id="{46293296-1849-44C4-8D82-91BBEA617BF2}" type="datetimeFigureOut">
               <a:rPr lang="en-US" smtClean="0"/>
-              <a:t>1/10/2022</a:t>
+              <a:t>2/18/2022</a:t>
             </a:fld>
             <a:endParaRPr lang="en-US"/>
           </a:p>
@@ -2753,8 +2766,8 @@
         </p:nvSpPr>
         <p:spPr>
           <a:xfrm>
-            <a:off x="839788" y="457200"/>
-            <a:ext cx="3932237" cy="1600200"/>
+            <a:off x="839790" y="457200"/>
+            <a:ext cx="3932236" cy="1600200"/>
           </a:xfrm>
         </p:spPr>
         <p:txBody>
@@ -2791,7 +2804,7 @@
         <p:spPr>
           <a:xfrm>
             <a:off x="5183188" y="987425"/>
-            <a:ext cx="6172200" cy="4873625"/>
+            <a:ext cx="6172201" cy="4873625"/>
           </a:xfrm>
         </p:spPr>
         <p:txBody>
@@ -2880,8 +2893,8 @@
         </p:nvSpPr>
         <p:spPr>
           <a:xfrm>
-            <a:off x="839788" y="2057400"/>
-            <a:ext cx="3932237" cy="3811588"/>
+            <a:off x="839790" y="2057400"/>
+            <a:ext cx="3932236" cy="3811588"/>
           </a:xfrm>
         </p:spPr>
         <p:txBody>
@@ -2891,37 +2904,37 @@
               <a:buNone/>
               <a:defRPr sz="1600"/>
             </a:lvl1pPr>
-            <a:lvl2pPr marL="457200" indent="0">
+            <a:lvl2pPr marL="457206" indent="0">
               <a:buNone/>
-              <a:defRPr sz="1400"/>
+              <a:defRPr sz="1401"/>
             </a:lvl2pPr>
-            <a:lvl3pPr marL="914400" indent="0">
+            <a:lvl3pPr marL="914411" indent="0">
               <a:buNone/>
               <a:defRPr sz="1200"/>
             </a:lvl3pPr>
-            <a:lvl4pPr marL="1371600" indent="0">
+            <a:lvl4pPr marL="1371617" indent="0">
               <a:buNone/>
-              <a:defRPr sz="1000"/>
+              <a:defRPr sz="1001"/>
             </a:lvl4pPr>
-            <a:lvl5pPr marL="1828800" indent="0">
+            <a:lvl5pPr marL="1828823" indent="0">
               <a:buNone/>
-              <a:defRPr sz="1000"/>
+              <a:defRPr sz="1001"/>
             </a:lvl5pPr>
-            <a:lvl6pPr marL="2286000" indent="0">
+            <a:lvl6pPr marL="2286029" indent="0">
               <a:buNone/>
-              <a:defRPr sz="1000"/>
+              <a:defRPr sz="1001"/>
             </a:lvl6pPr>
-            <a:lvl7pPr marL="2743200" indent="0">
+            <a:lvl7pPr marL="2743234" indent="0">
               <a:buNone/>
-              <a:defRPr sz="1000"/>
+              <a:defRPr sz="1001"/>
             </a:lvl7pPr>
-            <a:lvl8pPr marL="3200400" indent="0">
+            <a:lvl8pPr marL="3200440" indent="0">
               <a:buNone/>
-              <a:defRPr sz="1000"/>
+              <a:defRPr sz="1001"/>
             </a:lvl8pPr>
-            <a:lvl9pPr marL="3657600" indent="0">
+            <a:lvl9pPr marL="3657646" indent="0">
               <a:buNone/>
-              <a:defRPr sz="1000"/>
+              <a:defRPr sz="1001"/>
             </a:lvl9pPr>
           </a:lstStyle>
           <a:p>
@@ -2956,7 +2969,7 @@
           <a:p>
             <a:fld id="{46293296-1849-44C4-8D82-91BBEA617BF2}" type="datetimeFigureOut">
               <a:rPr lang="en-US" smtClean="0"/>
-              <a:t>1/10/2022</a:t>
+              <a:t>2/18/2022</a:t>
             </a:fld>
             <a:endParaRPr lang="en-US"/>
           </a:p>
@@ -3064,8 +3077,8 @@
         </p:nvSpPr>
         <p:spPr>
           <a:xfrm>
-            <a:off x="839788" y="457200"/>
-            <a:ext cx="3932237" cy="1600200"/>
+            <a:off x="839790" y="457200"/>
+            <a:ext cx="3932236" cy="1600200"/>
           </a:xfrm>
         </p:spPr>
         <p:txBody>
@@ -3102,7 +3115,7 @@
         <p:spPr>
           <a:xfrm>
             <a:off x="5183188" y="987425"/>
-            <a:ext cx="6172200" cy="4873625"/>
+            <a:ext cx="6172201" cy="4873625"/>
           </a:xfrm>
         </p:spPr>
         <p:txBody>
@@ -3112,35 +3125,35 @@
               <a:buNone/>
               <a:defRPr sz="3200"/>
             </a:lvl1pPr>
-            <a:lvl2pPr marL="457200" indent="0">
+            <a:lvl2pPr marL="457206" indent="0">
               <a:buNone/>
               <a:defRPr sz="2800"/>
             </a:lvl2pPr>
-            <a:lvl3pPr marL="914400" indent="0">
+            <a:lvl3pPr marL="914411" indent="0">
               <a:buNone/>
               <a:defRPr sz="2400"/>
             </a:lvl3pPr>
-            <a:lvl4pPr marL="1371600" indent="0">
+            <a:lvl4pPr marL="1371617" indent="0">
               <a:buNone/>
               <a:defRPr sz="2000"/>
             </a:lvl4pPr>
-            <a:lvl5pPr marL="1828800" indent="0">
+            <a:lvl5pPr marL="1828823" indent="0">
               <a:buNone/>
               <a:defRPr sz="2000"/>
             </a:lvl5pPr>
-            <a:lvl6pPr marL="2286000" indent="0">
+            <a:lvl6pPr marL="2286029" indent="0">
               <a:buNone/>
               <a:defRPr sz="2000"/>
             </a:lvl6pPr>
-            <a:lvl7pPr marL="2743200" indent="0">
+            <a:lvl7pPr marL="2743234" indent="0">
               <a:buNone/>
               <a:defRPr sz="2000"/>
             </a:lvl7pPr>
-            <a:lvl8pPr marL="3200400" indent="0">
+            <a:lvl8pPr marL="3200440" indent="0">
               <a:buNone/>
               <a:defRPr sz="2000"/>
             </a:lvl8pPr>
-            <a:lvl9pPr marL="3657600" indent="0">
+            <a:lvl9pPr marL="3657646" indent="0">
               <a:buNone/>
               <a:defRPr sz="2000"/>
             </a:lvl9pPr>
@@ -3168,8 +3181,8 @@
         </p:nvSpPr>
         <p:spPr>
           <a:xfrm>
-            <a:off x="839788" y="2057400"/>
-            <a:ext cx="3932237" cy="3811588"/>
+            <a:off x="839790" y="2057400"/>
+            <a:ext cx="3932236" cy="3811588"/>
           </a:xfrm>
         </p:spPr>
         <p:txBody>
@@ -3179,37 +3192,37 @@
               <a:buNone/>
               <a:defRPr sz="1600"/>
             </a:lvl1pPr>
-            <a:lvl2pPr marL="457200" indent="0">
+            <a:lvl2pPr marL="457206" indent="0">
               <a:buNone/>
-              <a:defRPr sz="1400"/>
+              <a:defRPr sz="1401"/>
             </a:lvl2pPr>
-            <a:lvl3pPr marL="914400" indent="0">
+            <a:lvl3pPr marL="914411" indent="0">
               <a:buNone/>
               <a:defRPr sz="1200"/>
             </a:lvl3pPr>
-            <a:lvl4pPr marL="1371600" indent="0">
+            <a:lvl4pPr marL="1371617" indent="0">
               <a:buNone/>
-              <a:defRPr sz="1000"/>
+              <a:defRPr sz="1001"/>
             </a:lvl4pPr>
-            <a:lvl5pPr marL="1828800" indent="0">
+            <a:lvl5pPr marL="1828823" indent="0">
               <a:buNone/>
-              <a:defRPr sz="1000"/>
+              <a:defRPr sz="1001"/>
             </a:lvl5pPr>
-            <a:lvl6pPr marL="2286000" indent="0">
+            <a:lvl6pPr marL="2286029" indent="0">
               <a:buNone/>
-              <a:defRPr sz="1000"/>
+              <a:defRPr sz="1001"/>
             </a:lvl6pPr>
-            <a:lvl7pPr marL="2743200" indent="0">
+            <a:lvl7pPr marL="2743234" indent="0">
               <a:buNone/>
-              <a:defRPr sz="1000"/>
+              <a:defRPr sz="1001"/>
             </a:lvl7pPr>
-            <a:lvl8pPr marL="3200400" indent="0">
+            <a:lvl8pPr marL="3200440" indent="0">
               <a:buNone/>
-              <a:defRPr sz="1000"/>
+              <a:defRPr sz="1001"/>
             </a:lvl8pPr>
-            <a:lvl9pPr marL="3657600" indent="0">
+            <a:lvl9pPr marL="3657646" indent="0">
               <a:buNone/>
-              <a:defRPr sz="1000"/>
+              <a:defRPr sz="1001"/>
             </a:lvl9pPr>
           </a:lstStyle>
           <a:p>
@@ -3244,7 +3257,7 @@
           <a:p>
             <a:fld id="{46293296-1849-44C4-8D82-91BBEA617BF2}" type="datetimeFigureOut">
               <a:rPr lang="en-US" smtClean="0"/>
-              <a:t>1/10/2022</a:t>
+              <a:t>2/18/2022</a:t>
             </a:fld>
             <a:endParaRPr lang="en-US"/>
           </a:p>
@@ -3357,7 +3370,7 @@
         </p:nvSpPr>
         <p:spPr>
           <a:xfrm>
-            <a:off x="838200" y="365125"/>
+            <a:off x="838202" y="365125"/>
             <a:ext cx="10515600" cy="1325563"/>
           </a:xfrm>
           <a:prstGeom prst="rect">
@@ -3395,7 +3408,7 @@
         </p:nvSpPr>
         <p:spPr>
           <a:xfrm>
-            <a:off x="838200" y="1825625"/>
+            <a:off x="838202" y="1825625"/>
             <a:ext cx="10515600" cy="4351338"/>
           </a:xfrm>
           <a:prstGeom prst="rect">
@@ -3462,7 +3475,7 @@
         </p:nvSpPr>
         <p:spPr>
           <a:xfrm>
-            <a:off x="838200" y="6356350"/>
+            <a:off x="838201" y="6356351"/>
             <a:ext cx="2743200" cy="365125"/>
           </a:xfrm>
           <a:prstGeom prst="rect">
@@ -3485,7 +3498,7 @@
           <a:p>
             <a:fld id="{46293296-1849-44C4-8D82-91BBEA617BF2}" type="datetimeFigureOut">
               <a:rPr lang="en-US" smtClean="0"/>
-              <a:t>1/10/2022</a:t>
+              <a:t>2/18/2022</a:t>
             </a:fld>
             <a:endParaRPr lang="en-US"/>
           </a:p>
@@ -3509,7 +3522,7 @@
         </p:nvSpPr>
         <p:spPr>
           <a:xfrm>
-            <a:off x="4038600" y="6356350"/>
+            <a:off x="4038602" y="6356351"/>
             <a:ext cx="4114800" cy="365125"/>
           </a:xfrm>
           <a:prstGeom prst="rect">
@@ -3552,7 +3565,7 @@
         </p:nvSpPr>
         <p:spPr>
           <a:xfrm>
-            <a:off x="8610600" y="6356350"/>
+            <a:off x="8610601" y="6356351"/>
             <a:ext cx="2743200" cy="365125"/>
           </a:xfrm>
           <a:prstGeom prst="rect">
@@ -3604,7 +3617,7 @@
   </p:sldLayoutIdLst>
   <p:txStyles>
     <p:titleStyle>
-      <a:lvl1pPr algn="l" defTabSz="914400" rtl="0" eaLnBrk="1" latinLnBrk="0" hangingPunct="1">
+      <a:lvl1pPr algn="l" defTabSz="914411" rtl="0" eaLnBrk="1" latinLnBrk="0" hangingPunct="1">
         <a:lnSpc>
           <a:spcPct val="90000"/>
         </a:lnSpc>
@@ -3623,12 +3636,12 @@
       </a:lvl1pPr>
     </p:titleStyle>
     <p:bodyStyle>
-      <a:lvl1pPr marL="228600" indent="-228600" algn="l" defTabSz="914400" rtl="0" eaLnBrk="1" latinLnBrk="0" hangingPunct="1">
+      <a:lvl1pPr marL="228604" indent="-228604" algn="l" defTabSz="914411" rtl="0" eaLnBrk="1" latinLnBrk="0" hangingPunct="1">
         <a:lnSpc>
           <a:spcPct val="90000"/>
         </a:lnSpc>
         <a:spcBef>
-          <a:spcPts val="1000"/>
+          <a:spcPts val="1001"/>
         </a:spcBef>
         <a:buFont typeface="Arial" panose="020B0604020202020204" pitchFamily="34" charset="0"/>
         <a:buChar char="•"/>
@@ -3641,7 +3654,7 @@
           <a:cs typeface="+mn-cs"/>
         </a:defRPr>
       </a:lvl1pPr>
-      <a:lvl2pPr marL="685800" indent="-228600" algn="l" defTabSz="914400" rtl="0" eaLnBrk="1" latinLnBrk="0" hangingPunct="1">
+      <a:lvl2pPr marL="685809" indent="-228604" algn="l" defTabSz="914411" rtl="0" eaLnBrk="1" latinLnBrk="0" hangingPunct="1">
         <a:lnSpc>
           <a:spcPct val="90000"/>
         </a:lnSpc>
@@ -3659,7 +3672,7 @@
           <a:cs typeface="+mn-cs"/>
         </a:defRPr>
       </a:lvl2pPr>
-      <a:lvl3pPr marL="1143000" indent="-228600" algn="l" defTabSz="914400" rtl="0" eaLnBrk="1" latinLnBrk="0" hangingPunct="1">
+      <a:lvl3pPr marL="1143015" indent="-228604" algn="l" defTabSz="914411" rtl="0" eaLnBrk="1" latinLnBrk="0" hangingPunct="1">
         <a:lnSpc>
           <a:spcPct val="90000"/>
         </a:lnSpc>
@@ -3677,7 +3690,7 @@
           <a:cs typeface="+mn-cs"/>
         </a:defRPr>
       </a:lvl3pPr>
-      <a:lvl4pPr marL="1600200" indent="-228600" algn="l" defTabSz="914400" rtl="0" eaLnBrk="1" latinLnBrk="0" hangingPunct="1">
+      <a:lvl4pPr marL="1600221" indent="-228604" algn="l" defTabSz="914411" rtl="0" eaLnBrk="1" latinLnBrk="0" hangingPunct="1">
         <a:lnSpc>
           <a:spcPct val="90000"/>
         </a:lnSpc>
@@ -3686,7 +3699,7 @@
         </a:spcBef>
         <a:buFont typeface="Arial" panose="020B0604020202020204" pitchFamily="34" charset="0"/>
         <a:buChar char="•"/>
-        <a:defRPr sz="1800" kern="1200">
+        <a:defRPr sz="1801" kern="1200">
           <a:solidFill>
             <a:schemeClr val="tx1"/>
           </a:solidFill>
@@ -3695,7 +3708,7 @@
           <a:cs typeface="+mn-cs"/>
         </a:defRPr>
       </a:lvl4pPr>
-      <a:lvl5pPr marL="2057400" indent="-228600" algn="l" defTabSz="914400" rtl="0" eaLnBrk="1" latinLnBrk="0" hangingPunct="1">
+      <a:lvl5pPr marL="2057427" indent="-228604" algn="l" defTabSz="914411" rtl="0" eaLnBrk="1" latinLnBrk="0" hangingPunct="1">
         <a:lnSpc>
           <a:spcPct val="90000"/>
         </a:lnSpc>
@@ -3704,7 +3717,7 @@
         </a:spcBef>
         <a:buFont typeface="Arial" panose="020B0604020202020204" pitchFamily="34" charset="0"/>
         <a:buChar char="•"/>
-        <a:defRPr sz="1800" kern="1200">
+        <a:defRPr sz="1801" kern="1200">
           <a:solidFill>
             <a:schemeClr val="tx1"/>
           </a:solidFill>
@@ -3713,7 +3726,7 @@
           <a:cs typeface="+mn-cs"/>
         </a:defRPr>
       </a:lvl5pPr>
-      <a:lvl6pPr marL="2514600" indent="-228600" algn="l" defTabSz="914400" rtl="0" eaLnBrk="1" latinLnBrk="0" hangingPunct="1">
+      <a:lvl6pPr marL="2514632" indent="-228604" algn="l" defTabSz="914411" rtl="0" eaLnBrk="1" latinLnBrk="0" hangingPunct="1">
         <a:lnSpc>
           <a:spcPct val="90000"/>
         </a:lnSpc>
@@ -3722,7 +3735,7 @@
         </a:spcBef>
         <a:buFont typeface="Arial" panose="020B0604020202020204" pitchFamily="34" charset="0"/>
         <a:buChar char="•"/>
-        <a:defRPr sz="1800" kern="1200">
+        <a:defRPr sz="1801" kern="1200">
           <a:solidFill>
             <a:schemeClr val="tx1"/>
           </a:solidFill>
@@ -3731,7 +3744,7 @@
           <a:cs typeface="+mn-cs"/>
         </a:defRPr>
       </a:lvl6pPr>
-      <a:lvl7pPr marL="2971800" indent="-228600" algn="l" defTabSz="914400" rtl="0" eaLnBrk="1" latinLnBrk="0" hangingPunct="1">
+      <a:lvl7pPr marL="2971838" indent="-228604" algn="l" defTabSz="914411" rtl="0" eaLnBrk="1" latinLnBrk="0" hangingPunct="1">
         <a:lnSpc>
           <a:spcPct val="90000"/>
         </a:lnSpc>
@@ -3740,7 +3753,7 @@
         </a:spcBef>
         <a:buFont typeface="Arial" panose="020B0604020202020204" pitchFamily="34" charset="0"/>
         <a:buChar char="•"/>
-        <a:defRPr sz="1800" kern="1200">
+        <a:defRPr sz="1801" kern="1200">
           <a:solidFill>
             <a:schemeClr val="tx1"/>
           </a:solidFill>
@@ -3749,7 +3762,7 @@
           <a:cs typeface="+mn-cs"/>
         </a:defRPr>
       </a:lvl7pPr>
-      <a:lvl8pPr marL="3429000" indent="-228600" algn="l" defTabSz="914400" rtl="0" eaLnBrk="1" latinLnBrk="0" hangingPunct="1">
+      <a:lvl8pPr marL="3429044" indent="-228604" algn="l" defTabSz="914411" rtl="0" eaLnBrk="1" latinLnBrk="0" hangingPunct="1">
         <a:lnSpc>
           <a:spcPct val="90000"/>
         </a:lnSpc>
@@ -3758,7 +3771,7 @@
         </a:spcBef>
         <a:buFont typeface="Arial" panose="020B0604020202020204" pitchFamily="34" charset="0"/>
         <a:buChar char="•"/>
-        <a:defRPr sz="1800" kern="1200">
+        <a:defRPr sz="1801" kern="1200">
           <a:solidFill>
             <a:schemeClr val="tx1"/>
           </a:solidFill>
@@ -3767,7 +3780,7 @@
           <a:cs typeface="+mn-cs"/>
         </a:defRPr>
       </a:lvl8pPr>
-      <a:lvl9pPr marL="3886200" indent="-228600" algn="l" defTabSz="914400" rtl="0" eaLnBrk="1" latinLnBrk="0" hangingPunct="1">
+      <a:lvl9pPr marL="3886249" indent="-228604" algn="l" defTabSz="914411" rtl="0" eaLnBrk="1" latinLnBrk="0" hangingPunct="1">
         <a:lnSpc>
           <a:spcPct val="90000"/>
         </a:lnSpc>
@@ -3776,7 +3789,7 @@
         </a:spcBef>
         <a:buFont typeface="Arial" panose="020B0604020202020204" pitchFamily="34" charset="0"/>
         <a:buChar char="•"/>
-        <a:defRPr sz="1800" kern="1200">
+        <a:defRPr sz="1801" kern="1200">
           <a:solidFill>
             <a:schemeClr val="tx1"/>
           </a:solidFill>
@@ -3790,8 +3803,8 @@
       <a:defPPr>
         <a:defRPr lang="en-US"/>
       </a:defPPr>
-      <a:lvl1pPr marL="0" algn="l" defTabSz="914400" rtl="0" eaLnBrk="1" latinLnBrk="0" hangingPunct="1">
-        <a:defRPr sz="1800" kern="1200">
+      <a:lvl1pPr marL="0" algn="l" defTabSz="914411" rtl="0" eaLnBrk="1" latinLnBrk="0" hangingPunct="1">
+        <a:defRPr sz="1801" kern="1200">
           <a:solidFill>
             <a:schemeClr val="tx1"/>
           </a:solidFill>
@@ -3800,8 +3813,8 @@
           <a:cs typeface="+mn-cs"/>
         </a:defRPr>
       </a:lvl1pPr>
-      <a:lvl2pPr marL="457200" algn="l" defTabSz="914400" rtl="0" eaLnBrk="1" latinLnBrk="0" hangingPunct="1">
-        <a:defRPr sz="1800" kern="1200">
+      <a:lvl2pPr marL="457206" algn="l" defTabSz="914411" rtl="0" eaLnBrk="1" latinLnBrk="0" hangingPunct="1">
+        <a:defRPr sz="1801" kern="1200">
           <a:solidFill>
             <a:schemeClr val="tx1"/>
           </a:solidFill>
@@ -3810,8 +3823,8 @@
           <a:cs typeface="+mn-cs"/>
         </a:defRPr>
       </a:lvl2pPr>
-      <a:lvl3pPr marL="914400" algn="l" defTabSz="914400" rtl="0" eaLnBrk="1" latinLnBrk="0" hangingPunct="1">
-        <a:defRPr sz="1800" kern="1200">
+      <a:lvl3pPr marL="914411" algn="l" defTabSz="914411" rtl="0" eaLnBrk="1" latinLnBrk="0" hangingPunct="1">
+        <a:defRPr sz="1801" kern="1200">
           <a:solidFill>
             <a:schemeClr val="tx1"/>
           </a:solidFill>
@@ -3820,8 +3833,8 @@
           <a:cs typeface="+mn-cs"/>
         </a:defRPr>
       </a:lvl3pPr>
-      <a:lvl4pPr marL="1371600" algn="l" defTabSz="914400" rtl="0" eaLnBrk="1" latinLnBrk="0" hangingPunct="1">
-        <a:defRPr sz="1800" kern="1200">
+      <a:lvl4pPr marL="1371617" algn="l" defTabSz="914411" rtl="0" eaLnBrk="1" latinLnBrk="0" hangingPunct="1">
+        <a:defRPr sz="1801" kern="1200">
           <a:solidFill>
             <a:schemeClr val="tx1"/>
           </a:solidFill>
@@ -3830,8 +3843,8 @@
           <a:cs typeface="+mn-cs"/>
         </a:defRPr>
       </a:lvl4pPr>
-      <a:lvl5pPr marL="1828800" algn="l" defTabSz="914400" rtl="0" eaLnBrk="1" latinLnBrk="0" hangingPunct="1">
-        <a:defRPr sz="1800" kern="1200">
+      <a:lvl5pPr marL="1828823" algn="l" defTabSz="914411" rtl="0" eaLnBrk="1" latinLnBrk="0" hangingPunct="1">
+        <a:defRPr sz="1801" kern="1200">
           <a:solidFill>
             <a:schemeClr val="tx1"/>
           </a:solidFill>
@@ -3840,8 +3853,8 @@
           <a:cs typeface="+mn-cs"/>
         </a:defRPr>
       </a:lvl5pPr>
-      <a:lvl6pPr marL="2286000" algn="l" defTabSz="914400" rtl="0" eaLnBrk="1" latinLnBrk="0" hangingPunct="1">
-        <a:defRPr sz="1800" kern="1200">
+      <a:lvl6pPr marL="2286029" algn="l" defTabSz="914411" rtl="0" eaLnBrk="1" latinLnBrk="0" hangingPunct="1">
+        <a:defRPr sz="1801" kern="1200">
           <a:solidFill>
             <a:schemeClr val="tx1"/>
           </a:solidFill>
@@ -3850,8 +3863,8 @@
           <a:cs typeface="+mn-cs"/>
         </a:defRPr>
       </a:lvl6pPr>
-      <a:lvl7pPr marL="2743200" algn="l" defTabSz="914400" rtl="0" eaLnBrk="1" latinLnBrk="0" hangingPunct="1">
-        <a:defRPr sz="1800" kern="1200">
+      <a:lvl7pPr marL="2743234" algn="l" defTabSz="914411" rtl="0" eaLnBrk="1" latinLnBrk="0" hangingPunct="1">
+        <a:defRPr sz="1801" kern="1200">
           <a:solidFill>
             <a:schemeClr val="tx1"/>
           </a:solidFill>
@@ -3860,8 +3873,8 @@
           <a:cs typeface="+mn-cs"/>
         </a:defRPr>
       </a:lvl7pPr>
-      <a:lvl8pPr marL="3200400" algn="l" defTabSz="914400" rtl="0" eaLnBrk="1" latinLnBrk="0" hangingPunct="1">
-        <a:defRPr sz="1800" kern="1200">
+      <a:lvl8pPr marL="3200440" algn="l" defTabSz="914411" rtl="0" eaLnBrk="1" latinLnBrk="0" hangingPunct="1">
+        <a:defRPr sz="1801" kern="1200">
           <a:solidFill>
             <a:schemeClr val="tx1"/>
           </a:solidFill>
@@ -3870,8 +3883,8 @@
           <a:cs typeface="+mn-cs"/>
         </a:defRPr>
       </a:lvl8pPr>
-      <a:lvl9pPr marL="3657600" algn="l" defTabSz="914400" rtl="0" eaLnBrk="1" latinLnBrk="0" hangingPunct="1">
-        <a:defRPr sz="1800" kern="1200">
+      <a:lvl9pPr marL="3657646" algn="l" defTabSz="914411" rtl="0" eaLnBrk="1" latinLnBrk="0" hangingPunct="1">
+        <a:defRPr sz="1801" kern="1200">
           <a:solidFill>
             <a:schemeClr val="tx1"/>
           </a:solidFill>
@@ -3930,8 +3943,8 @@
         </p:blipFill>
         <p:spPr>
           <a:xfrm>
-            <a:off x="1126262" y="478064"/>
-            <a:ext cx="2528751" cy="5314362"/>
+            <a:off x="1126263" y="478064"/>
+            <a:ext cx="2528750" cy="5314363"/>
           </a:xfrm>
           <a:prstGeom prst="rect">
             <a:avLst/>
@@ -3952,8 +3965,8 @@
         </p:nvSpPr>
         <p:spPr>
           <a:xfrm>
-            <a:off x="555487" y="346075"/>
-            <a:ext cx="3670300" cy="6165850"/>
+            <a:off x="555486" y="346076"/>
+            <a:ext cx="3670300" cy="6165851"/>
           </a:xfrm>
           <a:prstGeom prst="rect">
             <a:avLst/>
@@ -3986,7 +3999,7 @@
           <a:lstStyle/>
           <a:p>
             <a:pPr algn="ctr"/>
-            <a:endParaRPr lang="en-US"/>
+            <a:endParaRPr lang="en-US" sz="1801"/>
           </a:p>
         </p:txBody>
       </p:sp>
@@ -4004,8 +4017,8 @@
         </p:nvSpPr>
         <p:spPr>
           <a:xfrm>
-            <a:off x="1126262" y="5756365"/>
-            <a:ext cx="2528751" cy="523220"/>
+            <a:off x="1126263" y="5756366"/>
+            <a:ext cx="2528750" cy="523220"/>
           </a:xfrm>
           <a:prstGeom prst="rect">
             <a:avLst/>
@@ -4040,8 +4053,8 @@
         </p:nvSpPr>
         <p:spPr>
           <a:xfrm>
-            <a:off x="4496720" y="346075"/>
-            <a:ext cx="3670300" cy="6165850"/>
+            <a:off x="4496720" y="346076"/>
+            <a:ext cx="3670300" cy="6165851"/>
           </a:xfrm>
           <a:prstGeom prst="rect">
             <a:avLst/>
@@ -4074,7 +4087,7 @@
           <a:lstStyle/>
           <a:p>
             <a:pPr algn="ctr"/>
-            <a:endParaRPr lang="en-US"/>
+            <a:endParaRPr lang="en-US" sz="1801"/>
           </a:p>
         </p:txBody>
       </p:sp>
@@ -4092,8 +4105,8 @@
         </p:nvSpPr>
         <p:spPr>
           <a:xfrm>
-            <a:off x="8437953" y="346075"/>
-            <a:ext cx="3670300" cy="6165850"/>
+            <a:off x="8437952" y="346076"/>
+            <a:ext cx="3670300" cy="6165851"/>
           </a:xfrm>
           <a:prstGeom prst="rect">
             <a:avLst/>
@@ -4126,7 +4139,7 @@
           <a:lstStyle/>
           <a:p>
             <a:pPr algn="ctr"/>
-            <a:endParaRPr lang="en-US"/>
+            <a:endParaRPr lang="en-US" sz="1801"/>
           </a:p>
         </p:txBody>
       </p:sp>
@@ -4158,8 +4171,8 @@
         </p:blipFill>
         <p:spPr>
           <a:xfrm>
-            <a:off x="9169399" y="478064"/>
-            <a:ext cx="2265271" cy="5278301"/>
+            <a:off x="9169400" y="478065"/>
+            <a:ext cx="2265271" cy="5278300"/>
           </a:xfrm>
           <a:prstGeom prst="rect">
             <a:avLst/>
@@ -4180,8 +4193,8 @@
         </p:nvSpPr>
         <p:spPr>
           <a:xfrm>
-            <a:off x="9037658" y="5756365"/>
-            <a:ext cx="2528751" cy="523220"/>
+            <a:off x="9037659" y="5756366"/>
+            <a:ext cx="2528750" cy="523220"/>
           </a:xfrm>
           <a:prstGeom prst="rect">
             <a:avLst/>
@@ -4230,8 +4243,8 @@
         </p:blipFill>
         <p:spPr>
           <a:xfrm>
-            <a:off x="4578670" y="2387549"/>
-            <a:ext cx="3506399" cy="1459330"/>
+            <a:off x="4578671" y="2387550"/>
+            <a:ext cx="3506398" cy="1459330"/>
           </a:xfrm>
           <a:prstGeom prst="rect">
             <a:avLst/>
@@ -4252,8 +4265,8 @@
         </p:nvSpPr>
         <p:spPr>
           <a:xfrm>
-            <a:off x="4825492" y="5756365"/>
-            <a:ext cx="2528751" cy="523220"/>
+            <a:off x="4825493" y="5756366"/>
+            <a:ext cx="2528750" cy="523220"/>
           </a:xfrm>
           <a:prstGeom prst="rect">
             <a:avLst/>
@@ -4278,6 +4291,91 @@
     <p:extLst>
       <p:ext uri="{BB962C8B-B14F-4D97-AF65-F5344CB8AC3E}">
         <p14:creationId xmlns:p14="http://schemas.microsoft.com/office/powerpoint/2010/main" val="3145007299"/>
+      </p:ext>
+    </p:extLst>
+  </p:cSld>
+  <p:clrMapOvr>
+    <a:masterClrMapping/>
+  </p:clrMapOvr>
+</p:sld>
+</file>
+
+<file path=ppt/slides/slide10.xml><?xml version="1.0" encoding="utf-8"?>
+<p:sld xmlns:a="http://schemas.openxmlformats.org/drawingml/2006/main" xmlns:r="http://schemas.openxmlformats.org/officeDocument/2006/relationships" xmlns:p="http://schemas.openxmlformats.org/presentationml/2006/main">
+  <p:cSld>
+    <p:spTree>
+      <p:nvGrpSpPr>
+        <p:cNvPr id="1" name=""/>
+        <p:cNvGrpSpPr/>
+        <p:nvPr/>
+      </p:nvGrpSpPr>
+      <p:grpSpPr>
+        <a:xfrm>
+          <a:off x="0" y="0"/>
+          <a:ext cx="0" cy="0"/>
+          <a:chOff x="0" y="0"/>
+          <a:chExt cx="0" cy="0"/>
+        </a:xfrm>
+      </p:grpSpPr>
+      <p:sp>
+        <p:nvSpPr>
+          <p:cNvPr id="46" name="Title 1">
+            <a:extLst>
+              <a:ext uri="{FF2B5EF4-FFF2-40B4-BE49-F238E27FC236}">
+                <a16:creationId xmlns:a16="http://schemas.microsoft.com/office/drawing/2014/main" id="{3FBDF84F-082A-4B6C-B537-AF318E0EC23F}"/>
+              </a:ext>
+            </a:extLst>
+          </p:cNvPr>
+          <p:cNvSpPr txBox="1">
+            <a:spLocks/>
+          </p:cNvSpPr>
+          <p:nvPr/>
+        </p:nvSpPr>
+        <p:spPr>
+          <a:xfrm>
+            <a:off x="27819" y="7824"/>
+            <a:ext cx="12164181" cy="1325563"/>
+          </a:xfrm>
+          <a:prstGeom prst="rect">
+            <a:avLst/>
+          </a:prstGeom>
+        </p:spPr>
+        <p:txBody>
+          <a:bodyPr vert="horz" lIns="91440" tIns="45721" rIns="91440" bIns="45721" rtlCol="0" anchor="ctr">
+            <a:normAutofit/>
+          </a:bodyPr>
+          <a:lstStyle>
+            <a:lvl1pPr algn="l" defTabSz="914400" rtl="0" eaLnBrk="1" latinLnBrk="0" hangingPunct="1">
+              <a:lnSpc>
+                <a:spcPct val="90000"/>
+              </a:lnSpc>
+              <a:spcBef>
+                <a:spcPct val="0"/>
+              </a:spcBef>
+              <a:buNone/>
+              <a:defRPr sz="4400" kern="1200">
+                <a:solidFill>
+                  <a:schemeClr val="tx1"/>
+                </a:solidFill>
+                <a:latin typeface="+mj-lt"/>
+                <a:ea typeface="+mj-ea"/>
+                <a:cs typeface="+mj-cs"/>
+              </a:defRPr>
+            </a:lvl1pPr>
+          </a:lstStyle>
+          <a:p>
+            <a:pPr algn="ctr"/>
+            <a:r>
+              <a:rPr lang="en-US" sz="2800" b="1" dirty="0"/>
+              <a:t>Thailand’s long-term low emissions development strategy</a:t>
+            </a:r>
+          </a:p>
+        </p:txBody>
+      </p:sp>
+    </p:spTree>
+    <p:extLst>
+      <p:ext uri="{BB962C8B-B14F-4D97-AF65-F5344CB8AC3E}">
+        <p14:creationId xmlns:p14="http://schemas.microsoft.com/office/powerpoint/2010/main" val="1146007944"/>
       </p:ext>
     </p:extLst>
   </p:cSld>
@@ -4304,79 +4402,123 @@
           <a:chExt cx="0" cy="0"/>
         </a:xfrm>
       </p:grpSpPr>
+      <p:pic>
+        <p:nvPicPr>
+          <p:cNvPr id="5" name="Picture 4">
+            <a:extLst>
+              <a:ext uri="{FF2B5EF4-FFF2-40B4-BE49-F238E27FC236}">
+                <a16:creationId xmlns:a16="http://schemas.microsoft.com/office/drawing/2014/main" id="{C9BA83F6-31A3-4C2E-BC2F-EB1EEC0ED69F}"/>
+              </a:ext>
+            </a:extLst>
+          </p:cNvPr>
+          <p:cNvPicPr>
+            <a:picLocks noChangeAspect="1"/>
+          </p:cNvPicPr>
+          <p:nvPr/>
+        </p:nvPicPr>
+        <p:blipFill rotWithShape="1">
+          <a:blip r:embed="rId2"/>
+          <a:srcRect t="824" b="1"/>
+          <a:stretch/>
+        </p:blipFill>
+        <p:spPr>
+          <a:xfrm>
+            <a:off x="737190" y="2052083"/>
+            <a:ext cx="10726647" cy="3401209"/>
+          </a:xfrm>
+          <a:prstGeom prst="rect">
+            <a:avLst/>
+          </a:prstGeom>
+        </p:spPr>
+      </p:pic>
       <p:sp>
         <p:nvSpPr>
-          <p:cNvPr id="2" name="Title 1">
+          <p:cNvPr id="7" name="Rectangle 6">
             <a:extLst>
               <a:ext uri="{FF2B5EF4-FFF2-40B4-BE49-F238E27FC236}">
-                <a16:creationId xmlns:a16="http://schemas.microsoft.com/office/drawing/2014/main" id="{F6CB958E-2126-4AA8-B7A0-3E5D01435DB8}"/>
+                <a16:creationId xmlns:a16="http://schemas.microsoft.com/office/drawing/2014/main" id="{170AA6A1-1BAF-4760-ABDF-79D74CE183C8}"/>
               </a:ext>
             </a:extLst>
           </p:cNvPr>
-          <p:cNvSpPr>
-            <a:spLocks noGrp="1"/>
-          </p:cNvSpPr>
-          <p:nvPr>
-            <p:ph type="title"/>
-          </p:nvPr>
+          <p:cNvSpPr/>
+          <p:nvPr/>
         </p:nvSpPr>
-        <p:spPr/>
+        <p:spPr>
+          <a:xfrm>
+            <a:off x="552892" y="1679943"/>
+            <a:ext cx="5358809" cy="669851"/>
+          </a:xfrm>
+          <a:prstGeom prst="rect">
+            <a:avLst/>
+          </a:prstGeom>
+          <a:solidFill>
+            <a:schemeClr val="bg1"/>
+          </a:solidFill>
+          <a:ln>
+            <a:solidFill>
+              <a:schemeClr val="bg1"/>
+            </a:solidFill>
+          </a:ln>
+        </p:spPr>
+        <p:style>
+          <a:lnRef idx="2">
+            <a:schemeClr val="accent1">
+              <a:shade val="50000"/>
+            </a:schemeClr>
+          </a:lnRef>
+          <a:fillRef idx="1">
+            <a:schemeClr val="accent1"/>
+          </a:fillRef>
+          <a:effectRef idx="0">
+            <a:schemeClr val="accent1"/>
+          </a:effectRef>
+          <a:fontRef idx="minor">
+            <a:schemeClr val="lt1"/>
+          </a:fontRef>
+        </p:style>
         <p:txBody>
-          <a:bodyPr/>
+          <a:bodyPr rtlCol="0" anchor="ctr"/>
           <a:lstStyle/>
           <a:p>
-            <a:r>
-              <a:rPr lang="en-US" dirty="0"/>
-              <a:t>Background Motivation</a:t>
-            </a:r>
+            <a:pPr algn="ctr"/>
+            <a:endParaRPr lang="en-US"/>
           </a:p>
         </p:txBody>
       </p:sp>
-      <p:sp>
-        <p:nvSpPr>
-          <p:cNvPr id="3" name="Content Placeholder 2">
+      <p:pic>
+        <p:nvPicPr>
+          <p:cNvPr id="9" name="Picture 8">
             <a:extLst>
               <a:ext uri="{FF2B5EF4-FFF2-40B4-BE49-F238E27FC236}">
-                <a16:creationId xmlns:a16="http://schemas.microsoft.com/office/drawing/2014/main" id="{E21F62DF-AD75-4F84-A7ED-885950C7B4CF}"/>
+                <a16:creationId xmlns:a16="http://schemas.microsoft.com/office/drawing/2014/main" id="{747EE9E1-B463-448E-BE44-0071397CE92A}"/>
               </a:ext>
             </a:extLst>
           </p:cNvPr>
-          <p:cNvSpPr>
-            <a:spLocks noGrp="1"/>
-          </p:cNvSpPr>
-          <p:nvPr>
-            <p:ph idx="1"/>
-          </p:nvPr>
-        </p:nvSpPr>
-        <p:spPr/>
-        <p:txBody>
-          <a:bodyPr/>
-          <a:lstStyle/>
-          <a:p>
-            <a:r>
-              <a:rPr lang="en-US" dirty="0"/>
-              <a:t>US/ASEAN connections</a:t>
-            </a:r>
-          </a:p>
-          <a:p>
-            <a:r>
-              <a:rPr lang="en-US" dirty="0"/>
-              <a:t>Link to PNNL -&gt; Thammasat/MEA/BMA -&gt; Vision Prime Minster </a:t>
-            </a:r>
-            <a:r>
-              <a:rPr lang="en-US"/>
-              <a:t>Ministries office etc.</a:t>
-            </a:r>
-          </a:p>
-          <a:p>
-            <a:endParaRPr lang="en-US" dirty="0"/>
-          </a:p>
-        </p:txBody>
-      </p:sp>
+          <p:cNvPicPr>
+            <a:picLocks noChangeAspect="1"/>
+          </p:cNvPicPr>
+          <p:nvPr/>
+        </p:nvPicPr>
+        <p:blipFill>
+          <a:blip r:embed="rId3"/>
+          <a:stretch>
+            <a:fillRect/>
+          </a:stretch>
+        </p:blipFill>
+        <p:spPr>
+          <a:xfrm>
+            <a:off x="0" y="1340359"/>
+            <a:ext cx="12192000" cy="4177282"/>
+          </a:xfrm>
+          <a:prstGeom prst="rect">
+            <a:avLst/>
+          </a:prstGeom>
+        </p:spPr>
+      </p:pic>
     </p:spTree>
     <p:extLst>
       <p:ext uri="{BB962C8B-B14F-4D97-AF65-F5344CB8AC3E}">
-        <p14:creationId xmlns:p14="http://schemas.microsoft.com/office/powerpoint/2010/main" val="348205306"/>
+        <p14:creationId xmlns:p14="http://schemas.microsoft.com/office/powerpoint/2010/main" val="3829443715"/>
       </p:ext>
     </p:extLst>
   </p:cSld>
@@ -4403,6 +4545,105 @@
           <a:chExt cx="0" cy="0"/>
         </a:xfrm>
       </p:grpSpPr>
+      <p:sp>
+        <p:nvSpPr>
+          <p:cNvPr id="2" name="Title 1">
+            <a:extLst>
+              <a:ext uri="{FF2B5EF4-FFF2-40B4-BE49-F238E27FC236}">
+                <a16:creationId xmlns:a16="http://schemas.microsoft.com/office/drawing/2014/main" id="{F6CB958E-2126-4AA8-B7A0-3E5D01435DB8}"/>
+              </a:ext>
+            </a:extLst>
+          </p:cNvPr>
+          <p:cNvSpPr>
+            <a:spLocks noGrp="1"/>
+          </p:cNvSpPr>
+          <p:nvPr>
+            <p:ph type="title"/>
+          </p:nvPr>
+        </p:nvSpPr>
+        <p:spPr/>
+        <p:txBody>
+          <a:bodyPr/>
+          <a:lstStyle/>
+          <a:p>
+            <a:r>
+              <a:rPr lang="en-US" dirty="0"/>
+              <a:t>Background Motivation</a:t>
+            </a:r>
+          </a:p>
+        </p:txBody>
+      </p:sp>
+      <p:sp>
+        <p:nvSpPr>
+          <p:cNvPr id="3" name="Content Placeholder 2">
+            <a:extLst>
+              <a:ext uri="{FF2B5EF4-FFF2-40B4-BE49-F238E27FC236}">
+                <a16:creationId xmlns:a16="http://schemas.microsoft.com/office/drawing/2014/main" id="{E21F62DF-AD75-4F84-A7ED-885950C7B4CF}"/>
+              </a:ext>
+            </a:extLst>
+          </p:cNvPr>
+          <p:cNvSpPr>
+            <a:spLocks noGrp="1"/>
+          </p:cNvSpPr>
+          <p:nvPr>
+            <p:ph idx="1"/>
+          </p:nvPr>
+        </p:nvSpPr>
+        <p:spPr/>
+        <p:txBody>
+          <a:bodyPr/>
+          <a:lstStyle/>
+          <a:p>
+            <a:r>
+              <a:rPr lang="en-US" dirty="0"/>
+              <a:t>US/ASEAN connections</a:t>
+            </a:r>
+          </a:p>
+          <a:p>
+            <a:r>
+              <a:rPr lang="en-US" dirty="0"/>
+              <a:t>Link to PNNL -&gt; Thammasat/MEA/BMA -&gt; Vision Prime Minster </a:t>
+            </a:r>
+            <a:r>
+              <a:rPr lang="en-US"/>
+              <a:t>Ministries office etc.</a:t>
+            </a:r>
+          </a:p>
+          <a:p>
+            <a:endParaRPr lang="en-US" dirty="0"/>
+          </a:p>
+        </p:txBody>
+      </p:sp>
+    </p:spTree>
+    <p:extLst>
+      <p:ext uri="{BB962C8B-B14F-4D97-AF65-F5344CB8AC3E}">
+        <p14:creationId xmlns:p14="http://schemas.microsoft.com/office/powerpoint/2010/main" val="348205306"/>
+      </p:ext>
+    </p:extLst>
+  </p:cSld>
+  <p:clrMapOvr>
+    <a:masterClrMapping/>
+  </p:clrMapOvr>
+</p:sld>
+</file>
+
+<file path=ppt/slides/slide4.xml><?xml version="1.0" encoding="utf-8"?>
+<p:sld xmlns:a="http://schemas.openxmlformats.org/drawingml/2006/main" xmlns:r="http://schemas.openxmlformats.org/officeDocument/2006/relationships" xmlns:p="http://schemas.openxmlformats.org/presentationml/2006/main">
+  <p:cSld>
+    <p:spTree>
+      <p:nvGrpSpPr>
+        <p:cNvPr id="1" name=""/>
+        <p:cNvGrpSpPr/>
+        <p:nvPr/>
+      </p:nvGrpSpPr>
+      <p:grpSpPr>
+        <a:xfrm>
+          <a:off x="0" y="0"/>
+          <a:ext cx="0" cy="0"/>
+          <a:chOff x="0" y="0"/>
+          <a:chExt cx="0" cy="0"/>
+        </a:xfrm>
+      </p:grpSpPr>
       <p:cxnSp>
         <p:nvCxnSpPr>
           <p:cNvPr id="5" name="Straight Connector 4">
@@ -4417,8 +4658,8 @@
         </p:nvCxnSpPr>
         <p:spPr>
           <a:xfrm>
-            <a:off x="961053" y="401216"/>
-            <a:ext cx="0" cy="3107094"/>
+            <a:off x="961052" y="401217"/>
+            <a:ext cx="0" cy="3107093"/>
           </a:xfrm>
           <a:prstGeom prst="line">
             <a:avLst/>
@@ -4456,7 +4697,7 @@
         </p:nvCxnSpPr>
         <p:spPr>
           <a:xfrm flipH="1">
-            <a:off x="961053" y="3466322"/>
+            <a:off x="961055" y="3466323"/>
             <a:ext cx="9013371" cy="0"/>
           </a:xfrm>
           <a:prstGeom prst="line">
@@ -4494,7 +4735,7 @@
         <p:spPr>
           <a:xfrm>
             <a:off x="975049" y="466531"/>
-            <a:ext cx="8192278" cy="1838130"/>
+            <a:ext cx="8192277" cy="1838130"/>
           </a:xfrm>
           <a:custGeom>
             <a:avLst/>
@@ -5652,7 +5893,7 @@
           <a:lstStyle/>
           <a:p>
             <a:pPr algn="ctr"/>
-            <a:endParaRPr lang="en-US"/>
+            <a:endParaRPr lang="en-US" sz="1801"/>
           </a:p>
         </p:txBody>
       </p:sp>
@@ -5670,7 +5911,7 @@
         </p:nvSpPr>
         <p:spPr>
           <a:xfrm>
-            <a:off x="965718" y="1660849"/>
+            <a:off x="965719" y="1660849"/>
             <a:ext cx="8266923" cy="1110343"/>
           </a:xfrm>
           <a:custGeom>
@@ -6225,7 +6466,7 @@
           <a:lstStyle/>
           <a:p>
             <a:pPr algn="ctr"/>
-            <a:endParaRPr lang="en-US"/>
+            <a:endParaRPr lang="en-US" sz="1801"/>
           </a:p>
         </p:txBody>
       </p:sp>
@@ -6243,7 +6484,7 @@
         </p:nvSpPr>
         <p:spPr>
           <a:xfrm>
-            <a:off x="937726" y="2216020"/>
+            <a:off x="937726" y="2216021"/>
             <a:ext cx="8266923" cy="1110343"/>
           </a:xfrm>
           <a:custGeom>
@@ -6798,7 +7039,7 @@
           <a:lstStyle/>
           <a:p>
             <a:pPr algn="ctr"/>
-            <a:endParaRPr lang="en-US"/>
+            <a:endParaRPr lang="en-US" sz="1801"/>
           </a:p>
         </p:txBody>
       </p:sp>
@@ -6816,8 +7057,8 @@
         </p:nvSpPr>
         <p:spPr>
           <a:xfrm>
-            <a:off x="2841171" y="1721498"/>
-            <a:ext cx="6456784" cy="1012371"/>
+            <a:off x="2841172" y="1721498"/>
+            <a:ext cx="6456784" cy="1012372"/>
           </a:xfrm>
           <a:custGeom>
             <a:avLst/>
@@ -7616,7 +7857,7 @@
           <a:lstStyle/>
           <a:p>
             <a:pPr algn="ctr"/>
-            <a:endParaRPr lang="en-US"/>
+            <a:endParaRPr lang="en-US" sz="1801"/>
           </a:p>
         </p:txBody>
       </p:sp>
@@ -7634,7 +7875,7 @@
         </p:nvCxnSpPr>
         <p:spPr>
           <a:xfrm>
-            <a:off x="9451911" y="1254967"/>
+            <a:off x="9451911" y="1254968"/>
             <a:ext cx="0" cy="1432249"/>
           </a:xfrm>
           <a:prstGeom prst="straightConnector1">
@@ -7674,8 +7915,8 @@
         </p:nvSpPr>
         <p:spPr>
           <a:xfrm>
-            <a:off x="2719873" y="1812472"/>
-            <a:ext cx="6577993" cy="1432248"/>
+            <a:off x="2719875" y="1812472"/>
+            <a:ext cx="6577993" cy="1432249"/>
           </a:xfrm>
           <a:custGeom>
             <a:avLst/>
@@ -8474,7 +8715,7 @@
           <a:lstStyle/>
           <a:p>
             <a:pPr algn="ctr"/>
-            <a:endParaRPr lang="en-US"/>
+            <a:endParaRPr lang="en-US" sz="1801"/>
           </a:p>
         </p:txBody>
       </p:sp>
@@ -8494,8 +8735,8 @@
         </p:nvCxnSpPr>
         <p:spPr>
           <a:xfrm>
-            <a:off x="9451822" y="2687216"/>
-            <a:ext cx="0" cy="513183"/>
+            <a:off x="9451822" y="2687218"/>
+            <a:ext cx="0" cy="513182"/>
           </a:xfrm>
           <a:prstGeom prst="straightConnector1">
             <a:avLst/>
@@ -8535,7 +8776,7 @@
         <p:spPr>
           <a:xfrm>
             <a:off x="9550194" y="2502550"/>
-            <a:ext cx="1067728" cy="369332"/>
+            <a:ext cx="1067728" cy="369460"/>
           </a:xfrm>
           <a:prstGeom prst="rect">
             <a:avLst/>
@@ -8549,7 +8790,7 @@
           <a:lstStyle/>
           <a:p>
             <a:r>
-              <a:rPr lang="en-US" dirty="0"/>
+              <a:rPr lang="en-US" sz="1801" dirty="0"/>
               <a:t>Extended</a:t>
             </a:r>
           </a:p>
@@ -8569,8 +8810,8 @@
         </p:nvSpPr>
         <p:spPr>
           <a:xfrm>
-            <a:off x="9550194" y="2933319"/>
-            <a:ext cx="742511" cy="369332"/>
+            <a:off x="9550194" y="2933320"/>
+            <a:ext cx="742511" cy="369460"/>
           </a:xfrm>
           <a:prstGeom prst="rect">
             <a:avLst/>
@@ -8584,7 +8825,7 @@
           <a:lstStyle/>
           <a:p>
             <a:r>
-              <a:rPr lang="en-US" dirty="0"/>
+              <a:rPr lang="en-US" sz="1801" dirty="0"/>
               <a:t>Smart</a:t>
             </a:r>
           </a:p>
@@ -8604,8 +8845,8 @@
         </p:nvSpPr>
         <p:spPr>
           <a:xfrm>
-            <a:off x="9550193" y="1070301"/>
-            <a:ext cx="1226618" cy="369332"/>
+            <a:off x="9550194" y="1070301"/>
+            <a:ext cx="1226618" cy="369460"/>
           </a:xfrm>
           <a:prstGeom prst="rect">
             <a:avLst/>
@@ -8619,7 +8860,7 @@
           <a:lstStyle/>
           <a:p>
             <a:r>
-              <a:rPr lang="en-US" dirty="0"/>
+              <a:rPr lang="en-US" sz="1801" dirty="0"/>
               <a:t>Mandatory</a:t>
             </a:r>
           </a:p>
@@ -8639,8 +8880,8 @@
         </p:nvSpPr>
         <p:spPr>
           <a:xfrm>
-            <a:off x="961053" y="3962018"/>
-            <a:ext cx="1226618" cy="369332"/>
+            <a:off x="961054" y="3962019"/>
+            <a:ext cx="1226618" cy="369460"/>
           </a:xfrm>
           <a:prstGeom prst="rect">
             <a:avLst/>
@@ -8654,7 +8895,7 @@
           <a:lstStyle/>
           <a:p>
             <a:r>
-              <a:rPr lang="en-US" dirty="0"/>
+              <a:rPr lang="en-US" sz="1801" dirty="0"/>
               <a:t>Mandatory</a:t>
             </a:r>
           </a:p>
@@ -8674,8 +8915,8 @@
         </p:nvSpPr>
         <p:spPr>
           <a:xfrm>
-            <a:off x="3077547" y="3962018"/>
-            <a:ext cx="1067728" cy="369332"/>
+            <a:off x="3077547" y="3962019"/>
+            <a:ext cx="1067728" cy="369460"/>
           </a:xfrm>
           <a:prstGeom prst="rect">
             <a:avLst/>
@@ -8689,7 +8930,7 @@
           <a:lstStyle/>
           <a:p>
             <a:r>
-              <a:rPr lang="en-US" dirty="0"/>
+              <a:rPr lang="en-US" sz="1801" dirty="0"/>
               <a:t>Extended</a:t>
             </a:r>
           </a:p>
@@ -8709,8 +8950,8 @@
         </p:nvSpPr>
         <p:spPr>
           <a:xfrm>
-            <a:off x="5099179" y="3962018"/>
-            <a:ext cx="742511" cy="369332"/>
+            <a:off x="5099179" y="3962019"/>
+            <a:ext cx="742511" cy="369460"/>
           </a:xfrm>
           <a:prstGeom prst="rect">
             <a:avLst/>
@@ -8724,7 +8965,7 @@
           <a:lstStyle/>
           <a:p>
             <a:r>
-              <a:rPr lang="en-US" dirty="0"/>
+              <a:rPr lang="en-US" sz="1801" dirty="0"/>
               <a:t>Smart</a:t>
             </a:r>
           </a:p>
@@ -8744,8 +8985,8 @@
         </p:nvSpPr>
         <p:spPr>
           <a:xfrm>
-            <a:off x="937726" y="4498529"/>
-            <a:ext cx="1247457" cy="923330"/>
+            <a:off x="937727" y="4498529"/>
+            <a:ext cx="1247457" cy="923714"/>
           </a:xfrm>
           <a:prstGeom prst="rect">
             <a:avLst/>
@@ -8758,31 +8999,31 @@
           </a:bodyPr>
           <a:lstStyle/>
           <a:p>
-            <a:pPr marL="285750" indent="-285750">
+            <a:pPr marL="285753" indent="-285753">
               <a:buFont typeface="Arial" panose="020B0604020202020204" pitchFamily="34" charset="0"/>
               <a:buChar char="•"/>
             </a:pPr>
             <a:r>
-              <a:rPr lang="en-US" dirty="0"/>
+              <a:rPr lang="en-US" sz="1801" dirty="0"/>
               <a:t>Action 1</a:t>
             </a:r>
           </a:p>
           <a:p>
-            <a:pPr marL="285750" indent="-285750">
+            <a:pPr marL="285753" indent="-285753">
               <a:buFont typeface="Arial" panose="020B0604020202020204" pitchFamily="34" charset="0"/>
               <a:buChar char="•"/>
             </a:pPr>
             <a:r>
-              <a:rPr lang="en-US" dirty="0"/>
+              <a:rPr lang="en-US" sz="1801" dirty="0"/>
               <a:t>Action 2</a:t>
             </a:r>
           </a:p>
           <a:p>
-            <a:pPr marL="285750" indent="-285750">
+            <a:pPr marL="285753" indent="-285753">
               <a:buFont typeface="Arial" panose="020B0604020202020204" pitchFamily="34" charset="0"/>
               <a:buChar char="•"/>
             </a:pPr>
-            <a:endParaRPr lang="en-US" dirty="0"/>
+            <a:endParaRPr lang="en-US" sz="1801" dirty="0"/>
           </a:p>
         </p:txBody>
       </p:sp>
@@ -8800,8 +9041,8 @@
         </p:nvSpPr>
         <p:spPr>
           <a:xfrm>
-            <a:off x="2987682" y="4498529"/>
-            <a:ext cx="1247457" cy="923330"/>
+            <a:off x="2987685" y="4498529"/>
+            <a:ext cx="1247457" cy="923714"/>
           </a:xfrm>
           <a:prstGeom prst="rect">
             <a:avLst/>
@@ -8814,31 +9055,31 @@
           </a:bodyPr>
           <a:lstStyle/>
           <a:p>
-            <a:pPr marL="285750" indent="-285750">
+            <a:pPr marL="285753" indent="-285753">
               <a:buFont typeface="Arial" panose="020B0604020202020204" pitchFamily="34" charset="0"/>
               <a:buChar char="•"/>
             </a:pPr>
             <a:r>
-              <a:rPr lang="en-US" dirty="0"/>
+              <a:rPr lang="en-US" sz="1801" dirty="0"/>
               <a:t>Action 1</a:t>
             </a:r>
           </a:p>
           <a:p>
-            <a:pPr marL="285750" indent="-285750">
+            <a:pPr marL="285753" indent="-285753">
               <a:buFont typeface="Arial" panose="020B0604020202020204" pitchFamily="34" charset="0"/>
               <a:buChar char="•"/>
             </a:pPr>
             <a:r>
-              <a:rPr lang="en-US" dirty="0"/>
+              <a:rPr lang="en-US" sz="1801" dirty="0"/>
               <a:t>Action 2</a:t>
             </a:r>
           </a:p>
           <a:p>
-            <a:pPr marL="285750" indent="-285750">
+            <a:pPr marL="285753" indent="-285753">
               <a:buFont typeface="Arial" panose="020B0604020202020204" pitchFamily="34" charset="0"/>
               <a:buChar char="•"/>
             </a:pPr>
-            <a:endParaRPr lang="en-US" dirty="0"/>
+            <a:endParaRPr lang="en-US" sz="1801" dirty="0"/>
           </a:p>
         </p:txBody>
       </p:sp>
@@ -8856,8 +9097,8 @@
         </p:nvSpPr>
         <p:spPr>
           <a:xfrm>
-            <a:off x="4848543" y="4503196"/>
-            <a:ext cx="1247457" cy="923330"/>
+            <a:off x="4848545" y="4503197"/>
+            <a:ext cx="1247457" cy="923714"/>
           </a:xfrm>
           <a:prstGeom prst="rect">
             <a:avLst/>
@@ -8870,31 +9111,31 @@
           </a:bodyPr>
           <a:lstStyle/>
           <a:p>
-            <a:pPr marL="285750" indent="-285750">
+            <a:pPr marL="285753" indent="-285753">
               <a:buFont typeface="Arial" panose="020B0604020202020204" pitchFamily="34" charset="0"/>
               <a:buChar char="•"/>
             </a:pPr>
             <a:r>
-              <a:rPr lang="en-US" dirty="0"/>
+              <a:rPr lang="en-US" sz="1801" dirty="0"/>
               <a:t>Action 1</a:t>
             </a:r>
           </a:p>
           <a:p>
-            <a:pPr marL="285750" indent="-285750">
+            <a:pPr marL="285753" indent="-285753">
               <a:buFont typeface="Arial" panose="020B0604020202020204" pitchFamily="34" charset="0"/>
               <a:buChar char="•"/>
             </a:pPr>
             <a:r>
-              <a:rPr lang="en-US" dirty="0"/>
+              <a:rPr lang="en-US" sz="1801" dirty="0"/>
               <a:t>Action 2</a:t>
             </a:r>
           </a:p>
           <a:p>
-            <a:pPr marL="285750" indent="-285750">
+            <a:pPr marL="285753" indent="-285753">
               <a:buFont typeface="Arial" panose="020B0604020202020204" pitchFamily="34" charset="0"/>
               <a:buChar char="•"/>
             </a:pPr>
-            <a:endParaRPr lang="en-US" dirty="0"/>
+            <a:endParaRPr lang="en-US" sz="1801" dirty="0"/>
           </a:p>
         </p:txBody>
       </p:sp>
@@ -8920,8 +9161,8 @@
         </p:blipFill>
         <p:spPr>
           <a:xfrm>
-            <a:off x="8527665" y="3498979"/>
-            <a:ext cx="3966448" cy="3025672"/>
+            <a:off x="8527667" y="3498980"/>
+            <a:ext cx="3966448" cy="3025673"/>
           </a:xfrm>
           <a:prstGeom prst="rect">
             <a:avLst/>
@@ -8941,7 +9182,7 @@
 </p:sld>
 </file>
 
-<file path=ppt/slides/slide4.xml><?xml version="1.0" encoding="utf-8"?>
+<file path=ppt/slides/slide5.xml><?xml version="1.0" encoding="utf-8"?>
 <p:sld xmlns:a="http://schemas.openxmlformats.org/drawingml/2006/main" xmlns:r="http://schemas.openxmlformats.org/officeDocument/2006/relationships" xmlns:p="http://schemas.openxmlformats.org/presentationml/2006/main">
   <p:cSld>
     <p:spTree>
@@ -8986,8 +9227,8 @@
         </p:blipFill>
         <p:spPr>
           <a:xfrm>
-            <a:off x="8491145" y="2082655"/>
-            <a:ext cx="3861473" cy="2291876"/>
+            <a:off x="8491146" y="2082655"/>
+            <a:ext cx="3861474" cy="2291876"/>
           </a:xfrm>
           <a:prstGeom prst="rect">
             <a:avLst/>
@@ -9021,7 +9262,7 @@
         </p:blipFill>
         <p:spPr>
           <a:xfrm>
-            <a:off x="239630" y="65902"/>
+            <a:off x="239630" y="65903"/>
             <a:ext cx="2297429" cy="2297429"/>
           </a:xfrm>
           <a:prstGeom prst="rect">
@@ -9058,7 +9299,7 @@
         <p:spPr>
           <a:xfrm>
             <a:off x="6096000" y="2295554"/>
-            <a:ext cx="1733347" cy="1733347"/>
+            <a:ext cx="1733348" cy="1733348"/>
           </a:xfrm>
           <a:prstGeom prst="rect">
             <a:avLst/>
@@ -9094,8 +9335,8 @@
         </p:blipFill>
         <p:spPr bwMode="auto">
           <a:xfrm>
-            <a:off x="4735302" y="61885"/>
-            <a:ext cx="7117080" cy="2298224"/>
+            <a:off x="4735301" y="61886"/>
+            <a:ext cx="7117081" cy="2298224"/>
           </a:xfrm>
           <a:prstGeom prst="rect">
             <a:avLst/>
@@ -9141,8 +9382,8 @@
         </p:blipFill>
         <p:spPr bwMode="auto">
           <a:xfrm>
-            <a:off x="0" y="4241800"/>
-            <a:ext cx="12192000" cy="2616200"/>
+            <a:off x="0" y="4241801"/>
+            <a:ext cx="12192000" cy="2616201"/>
           </a:xfrm>
           <a:prstGeom prst="rect">
             <a:avLst/>
@@ -9208,7 +9449,7 @@
 </p:sld>
 </file>
 
-<file path=ppt/slides/slide5.xml><?xml version="1.0" encoding="utf-8"?>
+<file path=ppt/slides/slide6.xml><?xml version="1.0" encoding="utf-8"?>
 <p:sld xmlns:a="http://schemas.openxmlformats.org/drawingml/2006/main" xmlns:r="http://schemas.openxmlformats.org/officeDocument/2006/relationships" xmlns:p="http://schemas.openxmlformats.org/presentationml/2006/main">
   <p:cSld>
     <p:spTree>
@@ -9253,8 +9494,8 @@
         </p:blipFill>
         <p:spPr>
           <a:xfrm>
-            <a:off x="1311914" y="3368661"/>
-            <a:ext cx="2637871" cy="2637871"/>
+            <a:off x="1311915" y="3368662"/>
+            <a:ext cx="2637870" cy="2637870"/>
           </a:xfrm>
           <a:prstGeom prst="rect">
             <a:avLst/>
@@ -9289,7 +9530,7 @@
         </p:blipFill>
         <p:spPr>
           <a:xfrm>
-            <a:off x="7037527" y="3334792"/>
+            <a:off x="7037528" y="3334792"/>
             <a:ext cx="4409161" cy="2616942"/>
           </a:xfrm>
           <a:prstGeom prst="rect">
@@ -9311,8 +9552,8 @@
         </p:nvGrpSpPr>
         <p:grpSpPr>
           <a:xfrm>
-            <a:off x="836751" y="195718"/>
-            <a:ext cx="10518497" cy="2753222"/>
+            <a:off x="836751" y="142557"/>
+            <a:ext cx="10518498" cy="2753222"/>
             <a:chOff x="868680" y="367168"/>
             <a:chExt cx="10518497" cy="2753222"/>
           </a:xfrm>
@@ -9365,7 +9606,7 @@
             <a:lstStyle/>
             <a:p>
               <a:pPr algn="ctr"/>
-              <a:endParaRPr lang="en-US"/>
+              <a:endParaRPr lang="en-US" sz="1801"/>
             </a:p>
           </p:txBody>
         </p:sp>
@@ -9456,7 +9697,7 @@
           <p:spPr>
             <a:xfrm>
               <a:off x="3778335" y="866270"/>
-              <a:ext cx="4018109" cy="1754326"/>
+              <a:ext cx="4018108" cy="1754326"/>
             </a:xfrm>
             <a:prstGeom prst="rect">
               <a:avLst/>
@@ -9485,6 +9726,42 @@
           </p:txBody>
         </p:sp>
       </p:grpSp>
+      <p:pic>
+        <p:nvPicPr>
+          <p:cNvPr id="8" name="Picture 7" descr="Logo&#10;&#10;Description automatically generated">
+            <a:extLst>
+              <a:ext uri="{FF2B5EF4-FFF2-40B4-BE49-F238E27FC236}">
+                <a16:creationId xmlns:a16="http://schemas.microsoft.com/office/drawing/2014/main" id="{9EFAD41A-96EA-4C03-AD07-C28BCFAA3B59}"/>
+              </a:ext>
+            </a:extLst>
+          </p:cNvPr>
+          <p:cNvPicPr>
+            <a:picLocks noChangeAspect="1"/>
+          </p:cNvPicPr>
+          <p:nvPr/>
+        </p:nvPicPr>
+        <p:blipFill>
+          <a:blip r:embed="rId6">
+            <a:extLst>
+              <a:ext uri="{28A0092B-C50C-407E-A947-70E740481C1C}">
+                <a14:useLocalDpi xmlns:a14="http://schemas.microsoft.com/office/drawing/2010/main" val="0"/>
+              </a:ext>
+            </a:extLst>
+          </a:blip>
+          <a:stretch>
+            <a:fillRect/>
+          </a:stretch>
+        </p:blipFill>
+        <p:spPr>
+          <a:xfrm>
+            <a:off x="4531269" y="3448042"/>
+            <a:ext cx="2037593" cy="2037593"/>
+          </a:xfrm>
+          <a:prstGeom prst="rect">
+            <a:avLst/>
+          </a:prstGeom>
+        </p:spPr>
+      </p:pic>
     </p:spTree>
     <p:extLst>
       <p:ext uri="{BB962C8B-B14F-4D97-AF65-F5344CB8AC3E}">
@@ -9498,7 +9775,1228 @@
 </p:sld>
 </file>
 
-<file path=ppt/slides/slide6.xml><?xml version="1.0" encoding="utf-8"?>
+<file path=ppt/slides/slide7.xml><?xml version="1.0" encoding="utf-8"?>
+<p:sld xmlns:a="http://schemas.openxmlformats.org/drawingml/2006/main" xmlns:r="http://schemas.openxmlformats.org/officeDocument/2006/relationships" xmlns:p="http://schemas.openxmlformats.org/presentationml/2006/main">
+  <p:cSld>
+    <p:spTree>
+      <p:nvGrpSpPr>
+        <p:cNvPr id="1" name=""/>
+        <p:cNvGrpSpPr/>
+        <p:nvPr/>
+      </p:nvGrpSpPr>
+      <p:grpSpPr>
+        <a:xfrm>
+          <a:off x="0" y="0"/>
+          <a:ext cx="0" cy="0"/>
+          <a:chOff x="0" y="0"/>
+          <a:chExt cx="0" cy="0"/>
+        </a:xfrm>
+      </p:grpSpPr>
+      <p:grpSp>
+        <p:nvGrpSpPr>
+          <p:cNvPr id="38" name="Group 37">
+            <a:extLst>
+              <a:ext uri="{FF2B5EF4-FFF2-40B4-BE49-F238E27FC236}">
+                <a16:creationId xmlns:a16="http://schemas.microsoft.com/office/drawing/2014/main" id="{4E202CB5-9C7C-41C6-9C2C-0E9B68FF9646}"/>
+              </a:ext>
+            </a:extLst>
+          </p:cNvPr>
+          <p:cNvGrpSpPr/>
+          <p:nvPr/>
+        </p:nvGrpSpPr>
+        <p:grpSpPr>
+          <a:xfrm>
+            <a:off x="967560" y="412527"/>
+            <a:ext cx="10167428" cy="6032946"/>
+            <a:chOff x="967560" y="412527"/>
+            <a:chExt cx="10167428" cy="6032946"/>
+          </a:xfrm>
+        </p:grpSpPr>
+        <p:grpSp>
+          <p:nvGrpSpPr>
+            <p:cNvPr id="15" name="Group 14">
+              <a:extLst>
+                <a:ext uri="{FF2B5EF4-FFF2-40B4-BE49-F238E27FC236}">
+                  <a16:creationId xmlns:a16="http://schemas.microsoft.com/office/drawing/2014/main" id="{7F746DC7-AC7C-4171-ADC4-22122876C36D}"/>
+                </a:ext>
+              </a:extLst>
+            </p:cNvPr>
+            <p:cNvGrpSpPr/>
+            <p:nvPr/>
+          </p:nvGrpSpPr>
+          <p:grpSpPr>
+            <a:xfrm>
+              <a:off x="976722" y="3372654"/>
+              <a:ext cx="5443562" cy="3072819"/>
+              <a:chOff x="159484" y="2637097"/>
+              <a:chExt cx="5443562" cy="3072819"/>
+            </a:xfrm>
+          </p:grpSpPr>
+          <p:sp>
+            <p:nvSpPr>
+              <p:cNvPr id="10" name="Rectangle 9">
+                <a:extLst>
+                  <a:ext uri="{FF2B5EF4-FFF2-40B4-BE49-F238E27FC236}">
+                    <a16:creationId xmlns:a16="http://schemas.microsoft.com/office/drawing/2014/main" id="{00AE286B-DDA9-4285-BF10-0C6DA287512F}"/>
+                  </a:ext>
+                </a:extLst>
+              </p:cNvPr>
+              <p:cNvSpPr/>
+              <p:nvPr/>
+            </p:nvSpPr>
+            <p:spPr>
+              <a:xfrm>
+                <a:off x="159484" y="2637097"/>
+                <a:ext cx="5443562" cy="3072819"/>
+              </a:xfrm>
+              <a:prstGeom prst="rect">
+                <a:avLst/>
+              </a:prstGeom>
+              <a:solidFill>
+                <a:schemeClr val="accent5">
+                  <a:lumMod val="20000"/>
+                  <a:lumOff val="80000"/>
+                </a:schemeClr>
+              </a:solidFill>
+              <a:ln w="19050">
+                <a:solidFill>
+                  <a:srgbClr val="002060"/>
+                </a:solidFill>
+              </a:ln>
+            </p:spPr>
+            <p:style>
+              <a:lnRef idx="2">
+                <a:schemeClr val="accent1">
+                  <a:shade val="50000"/>
+                </a:schemeClr>
+              </a:lnRef>
+              <a:fillRef idx="1">
+                <a:schemeClr val="accent1"/>
+              </a:fillRef>
+              <a:effectRef idx="0">
+                <a:schemeClr val="accent1"/>
+              </a:effectRef>
+              <a:fontRef idx="minor">
+                <a:schemeClr val="lt1"/>
+              </a:fontRef>
+            </p:style>
+            <p:txBody>
+              <a:bodyPr rtlCol="0" anchor="ctr"/>
+              <a:lstStyle/>
+              <a:p>
+                <a:pPr algn="ctr"/>
+                <a:endParaRPr lang="en-US" dirty="0"/>
+              </a:p>
+            </p:txBody>
+          </p:sp>
+          <p:pic>
+            <p:nvPicPr>
+              <p:cNvPr id="12" name="Picture 11" descr="Logo&#10;&#10;Description automatically generated">
+                <a:extLst>
+                  <a:ext uri="{FF2B5EF4-FFF2-40B4-BE49-F238E27FC236}">
+                    <a16:creationId xmlns:a16="http://schemas.microsoft.com/office/drawing/2014/main" id="{6611E01D-7715-400E-BB43-40D859D62C8B}"/>
+                  </a:ext>
+                </a:extLst>
+              </p:cNvPr>
+              <p:cNvPicPr>
+                <a:picLocks noChangeAspect="1"/>
+              </p:cNvPicPr>
+              <p:nvPr/>
+            </p:nvPicPr>
+            <p:blipFill>
+              <a:blip r:embed="rId2">
+                <a:extLst>
+                  <a:ext uri="{28A0092B-C50C-407E-A947-70E740481C1C}">
+                    <a14:useLocalDpi xmlns:a14="http://schemas.microsoft.com/office/drawing/2010/main" val="0"/>
+                  </a:ext>
+                </a:extLst>
+              </a:blip>
+              <a:stretch>
+                <a:fillRect/>
+              </a:stretch>
+            </p:blipFill>
+            <p:spPr>
+              <a:xfrm>
+                <a:off x="180745" y="3421145"/>
+                <a:ext cx="3366210" cy="1997926"/>
+              </a:xfrm>
+              <a:prstGeom prst="rect">
+                <a:avLst/>
+              </a:prstGeom>
+            </p:spPr>
+          </p:pic>
+          <p:pic>
+            <p:nvPicPr>
+              <p:cNvPr id="8" name="Picture 7" descr="Logo&#10;&#10;Description automatically generated">
+                <a:extLst>
+                  <a:ext uri="{FF2B5EF4-FFF2-40B4-BE49-F238E27FC236}">
+                    <a16:creationId xmlns:a16="http://schemas.microsoft.com/office/drawing/2014/main" id="{9EFAD41A-96EA-4C03-AD07-C28BCFAA3B59}"/>
+                  </a:ext>
+                </a:extLst>
+              </p:cNvPr>
+              <p:cNvPicPr>
+                <a:picLocks noChangeAspect="1"/>
+              </p:cNvPicPr>
+              <p:nvPr/>
+            </p:nvPicPr>
+            <p:blipFill>
+              <a:blip r:embed="rId3">
+                <a:extLst>
+                  <a:ext uri="{28A0092B-C50C-407E-A947-70E740481C1C}">
+                    <a14:useLocalDpi xmlns:a14="http://schemas.microsoft.com/office/drawing/2010/main" val="0"/>
+                  </a:ext>
+                </a:extLst>
+              </a:blip>
+              <a:stretch>
+                <a:fillRect/>
+              </a:stretch>
+            </p:blipFill>
+            <p:spPr>
+              <a:xfrm>
+                <a:off x="3631254" y="3643804"/>
+                <a:ext cx="1672699" cy="1672699"/>
+              </a:xfrm>
+              <a:prstGeom prst="rect">
+                <a:avLst/>
+              </a:prstGeom>
+            </p:spPr>
+          </p:pic>
+          <p:sp>
+            <p:nvSpPr>
+              <p:cNvPr id="14" name="TextBox 13">
+                <a:extLst>
+                  <a:ext uri="{FF2B5EF4-FFF2-40B4-BE49-F238E27FC236}">
+                    <a16:creationId xmlns:a16="http://schemas.microsoft.com/office/drawing/2014/main" id="{AC6A472E-9161-4014-835C-F0CEF18662D5}"/>
+                  </a:ext>
+                </a:extLst>
+              </p:cNvPr>
+              <p:cNvSpPr txBox="1"/>
+              <p:nvPr/>
+            </p:nvSpPr>
+            <p:spPr>
+              <a:xfrm>
+                <a:off x="293080" y="2713497"/>
+                <a:ext cx="5176369" cy="461665"/>
+              </a:xfrm>
+              <a:prstGeom prst="rect">
+                <a:avLst/>
+              </a:prstGeom>
+              <a:noFill/>
+            </p:spPr>
+            <p:txBody>
+              <a:bodyPr wrap="square" rtlCol="0">
+                <a:spAutoFit/>
+              </a:bodyPr>
+              <a:lstStyle/>
+              <a:p>
+                <a:pPr algn="ctr"/>
+                <a:r>
+                  <a:rPr lang="en-US" sz="2400" b="1" dirty="0">
+                    <a:solidFill>
+                      <a:srgbClr val="002060"/>
+                    </a:solidFill>
+                  </a:rPr>
+                  <a:t>Modeling &amp; Analysis</a:t>
+                </a:r>
+              </a:p>
+            </p:txBody>
+          </p:sp>
+        </p:grpSp>
+        <p:grpSp>
+          <p:nvGrpSpPr>
+            <p:cNvPr id="17" name="Group 16">
+              <a:extLst>
+                <a:ext uri="{FF2B5EF4-FFF2-40B4-BE49-F238E27FC236}">
+                  <a16:creationId xmlns:a16="http://schemas.microsoft.com/office/drawing/2014/main" id="{4869A6F7-0DA8-41B1-B985-624427A7670C}"/>
+                </a:ext>
+              </a:extLst>
+            </p:cNvPr>
+            <p:cNvGrpSpPr/>
+            <p:nvPr/>
+          </p:nvGrpSpPr>
+          <p:grpSpPr>
+            <a:xfrm>
+              <a:off x="7812556" y="3372654"/>
+              <a:ext cx="3322432" cy="3072819"/>
+              <a:chOff x="6600278" y="2637097"/>
+              <a:chExt cx="3322432" cy="3072819"/>
+            </a:xfrm>
+          </p:grpSpPr>
+          <p:sp>
+            <p:nvSpPr>
+              <p:cNvPr id="13" name="Rectangle 12">
+                <a:extLst>
+                  <a:ext uri="{FF2B5EF4-FFF2-40B4-BE49-F238E27FC236}">
+                    <a16:creationId xmlns:a16="http://schemas.microsoft.com/office/drawing/2014/main" id="{F698A776-905B-4908-A95F-F1D066CC57E5}"/>
+                  </a:ext>
+                </a:extLst>
+              </p:cNvPr>
+              <p:cNvSpPr/>
+              <p:nvPr/>
+            </p:nvSpPr>
+            <p:spPr>
+              <a:xfrm>
+                <a:off x="6666613" y="2637097"/>
+                <a:ext cx="3189764" cy="3072819"/>
+              </a:xfrm>
+              <a:prstGeom prst="rect">
+                <a:avLst/>
+              </a:prstGeom>
+              <a:solidFill>
+                <a:schemeClr val="accent5">
+                  <a:lumMod val="20000"/>
+                  <a:lumOff val="80000"/>
+                </a:schemeClr>
+              </a:solidFill>
+              <a:ln w="19050">
+                <a:solidFill>
+                  <a:srgbClr val="002060"/>
+                </a:solidFill>
+              </a:ln>
+            </p:spPr>
+            <p:style>
+              <a:lnRef idx="2">
+                <a:schemeClr val="accent1">
+                  <a:shade val="50000"/>
+                </a:schemeClr>
+              </a:lnRef>
+              <a:fillRef idx="1">
+                <a:schemeClr val="accent1"/>
+              </a:fillRef>
+              <a:effectRef idx="0">
+                <a:schemeClr val="accent1"/>
+              </a:effectRef>
+              <a:fontRef idx="minor">
+                <a:schemeClr val="lt1"/>
+              </a:fontRef>
+            </p:style>
+            <p:txBody>
+              <a:bodyPr rtlCol="0" anchor="ctr"/>
+              <a:lstStyle/>
+              <a:p>
+                <a:pPr algn="ctr"/>
+                <a:endParaRPr lang="en-US" dirty="0"/>
+              </a:p>
+            </p:txBody>
+          </p:sp>
+          <p:pic>
+            <p:nvPicPr>
+              <p:cNvPr id="11" name="Picture 10" descr="Logo&#10;&#10;Description automatically generated">
+                <a:extLst>
+                  <a:ext uri="{FF2B5EF4-FFF2-40B4-BE49-F238E27FC236}">
+                    <a16:creationId xmlns:a16="http://schemas.microsoft.com/office/drawing/2014/main" id="{B096996E-10DE-419F-96FA-AAC69E22B488}"/>
+                  </a:ext>
+                </a:extLst>
+              </p:cNvPr>
+              <p:cNvPicPr>
+                <a:picLocks noChangeAspect="1"/>
+              </p:cNvPicPr>
+              <p:nvPr/>
+            </p:nvPicPr>
+            <p:blipFill>
+              <a:blip r:embed="rId4">
+                <a:extLst>
+                  <a:ext uri="{28A0092B-C50C-407E-A947-70E740481C1C}">
+                    <a14:useLocalDpi xmlns:a14="http://schemas.microsoft.com/office/drawing/2010/main" val="0"/>
+                  </a:ext>
+                </a:extLst>
+              </a:blip>
+              <a:stretch>
+                <a:fillRect/>
+              </a:stretch>
+            </p:blipFill>
+            <p:spPr>
+              <a:xfrm>
+                <a:off x="7220306" y="3336694"/>
+                <a:ext cx="2082377" cy="2082377"/>
+              </a:xfrm>
+              <a:prstGeom prst="rect">
+                <a:avLst/>
+              </a:prstGeom>
+            </p:spPr>
+          </p:pic>
+          <p:sp>
+            <p:nvSpPr>
+              <p:cNvPr id="16" name="TextBox 15">
+                <a:extLst>
+                  <a:ext uri="{FF2B5EF4-FFF2-40B4-BE49-F238E27FC236}">
+                    <a16:creationId xmlns:a16="http://schemas.microsoft.com/office/drawing/2014/main" id="{8E106DE1-2623-4B13-9BBB-FF4351D65DC2}"/>
+                  </a:ext>
+                </a:extLst>
+              </p:cNvPr>
+              <p:cNvSpPr txBox="1"/>
+              <p:nvPr/>
+            </p:nvSpPr>
+            <p:spPr>
+              <a:xfrm>
+                <a:off x="6600278" y="2711435"/>
+                <a:ext cx="3322432" cy="461665"/>
+              </a:xfrm>
+              <a:prstGeom prst="rect">
+                <a:avLst/>
+              </a:prstGeom>
+              <a:noFill/>
+            </p:spPr>
+            <p:txBody>
+              <a:bodyPr wrap="square" rtlCol="0">
+                <a:spAutoFit/>
+              </a:bodyPr>
+              <a:lstStyle/>
+              <a:p>
+                <a:pPr algn="ctr"/>
+                <a:r>
+                  <a:rPr lang="en-US" sz="2400" b="1" dirty="0">
+                    <a:solidFill>
+                      <a:srgbClr val="002060"/>
+                    </a:solidFill>
+                  </a:rPr>
+                  <a:t>Smart Grid Planning</a:t>
+                </a:r>
+              </a:p>
+            </p:txBody>
+          </p:sp>
+        </p:grpSp>
+        <p:grpSp>
+          <p:nvGrpSpPr>
+            <p:cNvPr id="18" name="Group 17">
+              <a:extLst>
+                <a:ext uri="{FF2B5EF4-FFF2-40B4-BE49-F238E27FC236}">
+                  <a16:creationId xmlns:a16="http://schemas.microsoft.com/office/drawing/2014/main" id="{2855675E-A70F-4FBE-92B3-333B9B53C655}"/>
+                </a:ext>
+              </a:extLst>
+            </p:cNvPr>
+            <p:cNvGrpSpPr/>
+            <p:nvPr/>
+          </p:nvGrpSpPr>
+          <p:grpSpPr>
+            <a:xfrm>
+              <a:off x="967560" y="412527"/>
+              <a:ext cx="10089962" cy="2641052"/>
+              <a:chOff x="1089263" y="222672"/>
+              <a:chExt cx="10518497" cy="2753222"/>
+            </a:xfrm>
+          </p:grpSpPr>
+          <p:sp>
+            <p:nvSpPr>
+              <p:cNvPr id="19" name="Rectangle: Rounded Corners 18">
+                <a:extLst>
+                  <a:ext uri="{FF2B5EF4-FFF2-40B4-BE49-F238E27FC236}">
+                    <a16:creationId xmlns:a16="http://schemas.microsoft.com/office/drawing/2014/main" id="{D4E6E287-9DED-44B2-A8F1-83A69F214402}"/>
+                  </a:ext>
+                </a:extLst>
+              </p:cNvPr>
+              <p:cNvSpPr/>
+              <p:nvPr/>
+            </p:nvSpPr>
+            <p:spPr>
+              <a:xfrm>
+                <a:off x="1089263" y="222672"/>
+                <a:ext cx="10518497" cy="2753222"/>
+              </a:xfrm>
+              <a:prstGeom prst="roundRect">
+                <a:avLst>
+                  <a:gd name="adj" fmla="val 447"/>
+                </a:avLst>
+              </a:prstGeom>
+              <a:solidFill>
+                <a:schemeClr val="accent5">
+                  <a:lumMod val="20000"/>
+                  <a:lumOff val="80000"/>
+                </a:schemeClr>
+              </a:solidFill>
+              <a:ln w="19050">
+                <a:solidFill>
+                  <a:srgbClr val="002060"/>
+                </a:solidFill>
+              </a:ln>
+            </p:spPr>
+            <p:style>
+              <a:lnRef idx="2">
+                <a:schemeClr val="accent1">
+                  <a:shade val="50000"/>
+                </a:schemeClr>
+              </a:lnRef>
+              <a:fillRef idx="1">
+                <a:schemeClr val="accent1"/>
+              </a:fillRef>
+              <a:effectRef idx="0">
+                <a:schemeClr val="accent1"/>
+              </a:effectRef>
+              <a:fontRef idx="minor">
+                <a:schemeClr val="lt1"/>
+              </a:fontRef>
+            </p:style>
+            <p:txBody>
+              <a:bodyPr rtlCol="0" anchor="ctr"/>
+              <a:lstStyle/>
+              <a:p>
+                <a:pPr algn="ctr"/>
+                <a:endParaRPr lang="en-US" sz="1801" dirty="0"/>
+              </a:p>
+            </p:txBody>
+          </p:sp>
+          <p:pic>
+            <p:nvPicPr>
+              <p:cNvPr id="20" name="Picture 19" descr="Logo&#10;&#10;Description automatically generated">
+                <a:extLst>
+                  <a:ext uri="{FF2B5EF4-FFF2-40B4-BE49-F238E27FC236}">
+                    <a16:creationId xmlns:a16="http://schemas.microsoft.com/office/drawing/2014/main" id="{A01551B2-D31B-4C41-91CB-5FCCD1F85EEC}"/>
+                  </a:ext>
+                </a:extLst>
+              </p:cNvPr>
+              <p:cNvPicPr>
+                <a:picLocks noChangeAspect="1"/>
+              </p:cNvPicPr>
+              <p:nvPr/>
+            </p:nvPicPr>
+            <p:blipFill>
+              <a:blip r:embed="rId5">
+                <a:extLst>
+                  <a:ext uri="{28A0092B-C50C-407E-A947-70E740481C1C}">
+                    <a14:useLocalDpi xmlns:a14="http://schemas.microsoft.com/office/drawing/2010/main" val="0"/>
+                  </a:ext>
+                </a:extLst>
+              </a:blip>
+              <a:stretch>
+                <a:fillRect/>
+              </a:stretch>
+            </p:blipFill>
+            <p:spPr>
+              <a:xfrm>
+                <a:off x="1480905" y="594718"/>
+                <a:ext cx="2297430" cy="2297430"/>
+              </a:xfrm>
+              <a:prstGeom prst="rect">
+                <a:avLst/>
+              </a:prstGeom>
+            </p:spPr>
+          </p:pic>
+          <p:pic>
+            <p:nvPicPr>
+              <p:cNvPr id="21" name="Picture 20" descr="Background pattern&#10;&#10;Description automatically generated">
+                <a:extLst>
+                  <a:ext uri="{FF2B5EF4-FFF2-40B4-BE49-F238E27FC236}">
+                    <a16:creationId xmlns:a16="http://schemas.microsoft.com/office/drawing/2014/main" id="{B71A43E5-4F64-4B6A-AB53-130E8E9936E8}"/>
+                  </a:ext>
+                </a:extLst>
+              </p:cNvPr>
+              <p:cNvPicPr>
+                <a:picLocks noChangeAspect="1"/>
+              </p:cNvPicPr>
+              <p:nvPr/>
+            </p:nvPicPr>
+            <p:blipFill>
+              <a:blip r:embed="rId6">
+                <a:extLst>
+                  <a:ext uri="{28A0092B-C50C-407E-A947-70E740481C1C}">
+                    <a14:useLocalDpi xmlns:a14="http://schemas.microsoft.com/office/drawing/2010/main" val="0"/>
+                  </a:ext>
+                </a:extLst>
+              </a:blip>
+              <a:stretch>
+                <a:fillRect/>
+              </a:stretch>
+            </p:blipFill>
+            <p:spPr>
+              <a:xfrm>
+                <a:off x="8269314" y="1009821"/>
+                <a:ext cx="2955186" cy="1467224"/>
+              </a:xfrm>
+              <a:prstGeom prst="rect">
+                <a:avLst/>
+              </a:prstGeom>
+            </p:spPr>
+          </p:pic>
+          <p:sp>
+            <p:nvSpPr>
+              <p:cNvPr id="22" name="TextBox 21">
+                <a:extLst>
+                  <a:ext uri="{FF2B5EF4-FFF2-40B4-BE49-F238E27FC236}">
+                    <a16:creationId xmlns:a16="http://schemas.microsoft.com/office/drawing/2014/main" id="{CB11B367-5813-48C1-BD98-1442D534FF4E}"/>
+                  </a:ext>
+                </a:extLst>
+              </p:cNvPr>
+              <p:cNvSpPr txBox="1"/>
+              <p:nvPr/>
+            </p:nvSpPr>
+            <p:spPr>
+              <a:xfrm>
+                <a:off x="3997480" y="866270"/>
+                <a:ext cx="4018108" cy="1754326"/>
+              </a:xfrm>
+              <a:prstGeom prst="rect">
+                <a:avLst/>
+              </a:prstGeom>
+              <a:noFill/>
+            </p:spPr>
+            <p:txBody>
+              <a:bodyPr wrap="square" rtlCol="0">
+                <a:spAutoFit/>
+              </a:bodyPr>
+              <a:lstStyle/>
+              <a:p>
+                <a:pPr algn="ctr"/>
+                <a:r>
+                  <a:rPr lang="en-US" sz="3600" b="1" dirty="0">
+                    <a:solidFill>
+                      <a:srgbClr val="002060"/>
+                    </a:solidFill>
+                  </a:rPr>
+                  <a:t>USASCP</a:t>
+                </a:r>
+              </a:p>
+              <a:p>
+                <a:pPr algn="ctr"/>
+                <a:r>
+                  <a:rPr lang="en-US" sz="3600" dirty="0">
+                    <a:solidFill>
+                      <a:srgbClr val="002060"/>
+                    </a:solidFill>
+                  </a:rPr>
+                  <a:t>US-ASEAN Smart Cities Partnership</a:t>
+                </a:r>
+              </a:p>
+            </p:txBody>
+          </p:sp>
+        </p:grpSp>
+        <p:sp>
+          <p:nvSpPr>
+            <p:cNvPr id="23" name="Arrow: Right 22">
+              <a:extLst>
+                <a:ext uri="{FF2B5EF4-FFF2-40B4-BE49-F238E27FC236}">
+                  <a16:creationId xmlns:a16="http://schemas.microsoft.com/office/drawing/2014/main" id="{46874D92-0391-4CA4-9D15-D376AAD94C1F}"/>
+                </a:ext>
+              </a:extLst>
+            </p:cNvPr>
+            <p:cNvSpPr/>
+            <p:nvPr/>
+          </p:nvSpPr>
+          <p:spPr>
+            <a:xfrm>
+              <a:off x="6674884" y="4679313"/>
+              <a:ext cx="1043982" cy="536397"/>
+            </a:xfrm>
+            <a:prstGeom prst="rightArrow">
+              <a:avLst/>
+            </a:prstGeom>
+            <a:solidFill>
+              <a:srgbClr val="002060"/>
+            </a:solidFill>
+            <a:ln>
+              <a:noFill/>
+            </a:ln>
+          </p:spPr>
+          <p:style>
+            <a:lnRef idx="2">
+              <a:schemeClr val="accent1">
+                <a:shade val="50000"/>
+              </a:schemeClr>
+            </a:lnRef>
+            <a:fillRef idx="1">
+              <a:schemeClr val="accent1"/>
+            </a:fillRef>
+            <a:effectRef idx="0">
+              <a:schemeClr val="accent1"/>
+            </a:effectRef>
+            <a:fontRef idx="minor">
+              <a:schemeClr val="lt1"/>
+            </a:fontRef>
+          </p:style>
+          <p:txBody>
+            <a:bodyPr rtlCol="0" anchor="ctr"/>
+            <a:lstStyle/>
+            <a:p>
+              <a:pPr algn="ctr"/>
+              <a:endParaRPr lang="en-US"/>
+            </a:p>
+          </p:txBody>
+        </p:sp>
+        <p:grpSp>
+          <p:nvGrpSpPr>
+            <p:cNvPr id="24" name="Group 23">
+              <a:extLst>
+                <a:ext uri="{FF2B5EF4-FFF2-40B4-BE49-F238E27FC236}">
+                  <a16:creationId xmlns:a16="http://schemas.microsoft.com/office/drawing/2014/main" id="{069C6D86-D16B-4117-9A76-7A975E720EC9}"/>
+                </a:ext>
+              </a:extLst>
+            </p:cNvPr>
+            <p:cNvGrpSpPr/>
+            <p:nvPr/>
+          </p:nvGrpSpPr>
+          <p:grpSpPr>
+            <a:xfrm>
+              <a:off x="976722" y="3372654"/>
+              <a:ext cx="5443562" cy="3072819"/>
+              <a:chOff x="159484" y="2637097"/>
+              <a:chExt cx="5443562" cy="3072819"/>
+            </a:xfrm>
+          </p:grpSpPr>
+          <p:sp>
+            <p:nvSpPr>
+              <p:cNvPr id="25" name="Rectangle 24">
+                <a:extLst>
+                  <a:ext uri="{FF2B5EF4-FFF2-40B4-BE49-F238E27FC236}">
+                    <a16:creationId xmlns:a16="http://schemas.microsoft.com/office/drawing/2014/main" id="{02D3FB67-17BD-4B8D-89F9-18DB64B0DD7C}"/>
+                  </a:ext>
+                </a:extLst>
+              </p:cNvPr>
+              <p:cNvSpPr/>
+              <p:nvPr/>
+            </p:nvSpPr>
+            <p:spPr>
+              <a:xfrm>
+                <a:off x="159484" y="2637097"/>
+                <a:ext cx="5443562" cy="3072819"/>
+              </a:xfrm>
+              <a:prstGeom prst="rect">
+                <a:avLst/>
+              </a:prstGeom>
+              <a:solidFill>
+                <a:schemeClr val="accent5">
+                  <a:lumMod val="20000"/>
+                  <a:lumOff val="80000"/>
+                </a:schemeClr>
+              </a:solidFill>
+              <a:ln w="28575">
+                <a:solidFill>
+                  <a:srgbClr val="002060"/>
+                </a:solidFill>
+              </a:ln>
+            </p:spPr>
+            <p:style>
+              <a:lnRef idx="2">
+                <a:schemeClr val="accent1">
+                  <a:shade val="50000"/>
+                </a:schemeClr>
+              </a:lnRef>
+              <a:fillRef idx="1">
+                <a:schemeClr val="accent1"/>
+              </a:fillRef>
+              <a:effectRef idx="0">
+                <a:schemeClr val="accent1"/>
+              </a:effectRef>
+              <a:fontRef idx="minor">
+                <a:schemeClr val="lt1"/>
+              </a:fontRef>
+            </p:style>
+            <p:txBody>
+              <a:bodyPr rtlCol="0" anchor="ctr"/>
+              <a:lstStyle/>
+              <a:p>
+                <a:pPr algn="ctr"/>
+                <a:endParaRPr lang="en-US" dirty="0"/>
+              </a:p>
+            </p:txBody>
+          </p:sp>
+          <p:pic>
+            <p:nvPicPr>
+              <p:cNvPr id="26" name="Picture 25" descr="Logo&#10;&#10;Description automatically generated">
+                <a:extLst>
+                  <a:ext uri="{FF2B5EF4-FFF2-40B4-BE49-F238E27FC236}">
+                    <a16:creationId xmlns:a16="http://schemas.microsoft.com/office/drawing/2014/main" id="{3CBF39DB-287B-42F1-801E-4D47E4D7178A}"/>
+                  </a:ext>
+                </a:extLst>
+              </p:cNvPr>
+              <p:cNvPicPr>
+                <a:picLocks noChangeAspect="1"/>
+              </p:cNvPicPr>
+              <p:nvPr/>
+            </p:nvPicPr>
+            <p:blipFill>
+              <a:blip r:embed="rId2">
+                <a:extLst>
+                  <a:ext uri="{28A0092B-C50C-407E-A947-70E740481C1C}">
+                    <a14:useLocalDpi xmlns:a14="http://schemas.microsoft.com/office/drawing/2010/main" val="0"/>
+                  </a:ext>
+                </a:extLst>
+              </a:blip>
+              <a:stretch>
+                <a:fillRect/>
+              </a:stretch>
+            </p:blipFill>
+            <p:spPr>
+              <a:xfrm>
+                <a:off x="180745" y="3419083"/>
+                <a:ext cx="3366210" cy="1997926"/>
+              </a:xfrm>
+              <a:prstGeom prst="rect">
+                <a:avLst/>
+              </a:prstGeom>
+              <a:ln w="28575">
+                <a:noFill/>
+              </a:ln>
+            </p:spPr>
+          </p:pic>
+          <p:pic>
+            <p:nvPicPr>
+              <p:cNvPr id="27" name="Picture 26" descr="Logo&#10;&#10;Description automatically generated">
+                <a:extLst>
+                  <a:ext uri="{FF2B5EF4-FFF2-40B4-BE49-F238E27FC236}">
+                    <a16:creationId xmlns:a16="http://schemas.microsoft.com/office/drawing/2014/main" id="{80FDC171-A99E-43C4-BA7A-A76ED3171456}"/>
+                  </a:ext>
+                </a:extLst>
+              </p:cNvPr>
+              <p:cNvPicPr>
+                <a:picLocks noChangeAspect="1"/>
+              </p:cNvPicPr>
+              <p:nvPr/>
+            </p:nvPicPr>
+            <p:blipFill>
+              <a:blip r:embed="rId3">
+                <a:extLst>
+                  <a:ext uri="{28A0092B-C50C-407E-A947-70E740481C1C}">
+                    <a14:useLocalDpi xmlns:a14="http://schemas.microsoft.com/office/drawing/2010/main" val="0"/>
+                  </a:ext>
+                </a:extLst>
+              </a:blip>
+              <a:stretch>
+                <a:fillRect/>
+              </a:stretch>
+            </p:blipFill>
+            <p:spPr>
+              <a:xfrm>
+                <a:off x="3631254" y="3641742"/>
+                <a:ext cx="1672699" cy="1672699"/>
+              </a:xfrm>
+              <a:prstGeom prst="rect">
+                <a:avLst/>
+              </a:prstGeom>
+              <a:ln w="28575">
+                <a:noFill/>
+              </a:ln>
+            </p:spPr>
+          </p:pic>
+          <p:sp>
+            <p:nvSpPr>
+              <p:cNvPr id="28" name="TextBox 27">
+                <a:extLst>
+                  <a:ext uri="{FF2B5EF4-FFF2-40B4-BE49-F238E27FC236}">
+                    <a16:creationId xmlns:a16="http://schemas.microsoft.com/office/drawing/2014/main" id="{EA31498E-E8B2-4698-9AB2-8B7058E88C97}"/>
+                  </a:ext>
+                </a:extLst>
+              </p:cNvPr>
+              <p:cNvSpPr txBox="1"/>
+              <p:nvPr/>
+            </p:nvSpPr>
+            <p:spPr>
+              <a:xfrm>
+                <a:off x="293080" y="2711435"/>
+                <a:ext cx="5176369" cy="461665"/>
+              </a:xfrm>
+              <a:prstGeom prst="rect">
+                <a:avLst/>
+              </a:prstGeom>
+              <a:noFill/>
+              <a:ln w="28575">
+                <a:noFill/>
+              </a:ln>
+            </p:spPr>
+            <p:txBody>
+              <a:bodyPr wrap="square" rtlCol="0">
+                <a:spAutoFit/>
+              </a:bodyPr>
+              <a:lstStyle/>
+              <a:p>
+                <a:pPr algn="ctr"/>
+                <a:r>
+                  <a:rPr lang="en-US" sz="2400" b="1" dirty="0">
+                    <a:solidFill>
+                      <a:srgbClr val="002060"/>
+                    </a:solidFill>
+                  </a:rPr>
+                  <a:t>Modeling &amp; Analysis</a:t>
+                </a:r>
+              </a:p>
+            </p:txBody>
+          </p:sp>
+        </p:grpSp>
+        <p:grpSp>
+          <p:nvGrpSpPr>
+            <p:cNvPr id="29" name="Group 28">
+              <a:extLst>
+                <a:ext uri="{FF2B5EF4-FFF2-40B4-BE49-F238E27FC236}">
+                  <a16:creationId xmlns:a16="http://schemas.microsoft.com/office/drawing/2014/main" id="{9023644A-ADAF-4FA0-98E3-85660CA4B740}"/>
+                </a:ext>
+              </a:extLst>
+            </p:cNvPr>
+            <p:cNvGrpSpPr/>
+            <p:nvPr/>
+          </p:nvGrpSpPr>
+          <p:grpSpPr>
+            <a:xfrm>
+              <a:off x="7801923" y="3372654"/>
+              <a:ext cx="3322432" cy="3072819"/>
+              <a:chOff x="6600278" y="2637097"/>
+              <a:chExt cx="3322432" cy="3072819"/>
+            </a:xfrm>
+          </p:grpSpPr>
+          <p:sp>
+            <p:nvSpPr>
+              <p:cNvPr id="30" name="Rectangle 29">
+                <a:extLst>
+                  <a:ext uri="{FF2B5EF4-FFF2-40B4-BE49-F238E27FC236}">
+                    <a16:creationId xmlns:a16="http://schemas.microsoft.com/office/drawing/2014/main" id="{3F314E82-4B24-44AC-BE19-135CCCB37C3F}"/>
+                  </a:ext>
+                </a:extLst>
+              </p:cNvPr>
+              <p:cNvSpPr/>
+              <p:nvPr/>
+            </p:nvSpPr>
+            <p:spPr>
+              <a:xfrm>
+                <a:off x="6666613" y="2637097"/>
+                <a:ext cx="3189764" cy="3072819"/>
+              </a:xfrm>
+              <a:prstGeom prst="rect">
+                <a:avLst/>
+              </a:prstGeom>
+              <a:solidFill>
+                <a:schemeClr val="accent5">
+                  <a:lumMod val="20000"/>
+                  <a:lumOff val="80000"/>
+                </a:schemeClr>
+              </a:solidFill>
+              <a:ln w="28575">
+                <a:solidFill>
+                  <a:srgbClr val="002060"/>
+                </a:solidFill>
+              </a:ln>
+            </p:spPr>
+            <p:style>
+              <a:lnRef idx="2">
+                <a:schemeClr val="accent1">
+                  <a:shade val="50000"/>
+                </a:schemeClr>
+              </a:lnRef>
+              <a:fillRef idx="1">
+                <a:schemeClr val="accent1"/>
+              </a:fillRef>
+              <a:effectRef idx="0">
+                <a:schemeClr val="accent1"/>
+              </a:effectRef>
+              <a:fontRef idx="minor">
+                <a:schemeClr val="lt1"/>
+              </a:fontRef>
+            </p:style>
+            <p:txBody>
+              <a:bodyPr rtlCol="0" anchor="ctr"/>
+              <a:lstStyle/>
+              <a:p>
+                <a:pPr algn="ctr"/>
+                <a:endParaRPr lang="en-US" dirty="0"/>
+              </a:p>
+            </p:txBody>
+          </p:sp>
+          <p:pic>
+            <p:nvPicPr>
+              <p:cNvPr id="31" name="Picture 30" descr="Logo&#10;&#10;Description automatically generated">
+                <a:extLst>
+                  <a:ext uri="{FF2B5EF4-FFF2-40B4-BE49-F238E27FC236}">
+                    <a16:creationId xmlns:a16="http://schemas.microsoft.com/office/drawing/2014/main" id="{F1C91E65-457B-4BB3-8E1A-0B6EA06742FA}"/>
+                  </a:ext>
+                </a:extLst>
+              </p:cNvPr>
+              <p:cNvPicPr>
+                <a:picLocks noChangeAspect="1"/>
+              </p:cNvPicPr>
+              <p:nvPr/>
+            </p:nvPicPr>
+            <p:blipFill>
+              <a:blip r:embed="rId4">
+                <a:extLst>
+                  <a:ext uri="{28A0092B-C50C-407E-A947-70E740481C1C}">
+                    <a14:useLocalDpi xmlns:a14="http://schemas.microsoft.com/office/drawing/2010/main" val="0"/>
+                  </a:ext>
+                </a:extLst>
+              </a:blip>
+              <a:stretch>
+                <a:fillRect/>
+              </a:stretch>
+            </p:blipFill>
+            <p:spPr>
+              <a:xfrm>
+                <a:off x="7220306" y="3336694"/>
+                <a:ext cx="2082377" cy="2082377"/>
+              </a:xfrm>
+              <a:prstGeom prst="rect">
+                <a:avLst/>
+              </a:prstGeom>
+              <a:ln w="28575">
+                <a:noFill/>
+              </a:ln>
+            </p:spPr>
+          </p:pic>
+          <p:sp>
+            <p:nvSpPr>
+              <p:cNvPr id="32" name="TextBox 31">
+                <a:extLst>
+                  <a:ext uri="{FF2B5EF4-FFF2-40B4-BE49-F238E27FC236}">
+                    <a16:creationId xmlns:a16="http://schemas.microsoft.com/office/drawing/2014/main" id="{E3AFEE3C-910A-4C30-9CD1-BD097D0999D5}"/>
+                  </a:ext>
+                </a:extLst>
+              </p:cNvPr>
+              <p:cNvSpPr txBox="1"/>
+              <p:nvPr/>
+            </p:nvSpPr>
+            <p:spPr>
+              <a:xfrm>
+                <a:off x="6600278" y="2711435"/>
+                <a:ext cx="3322432" cy="461665"/>
+              </a:xfrm>
+              <a:prstGeom prst="rect">
+                <a:avLst/>
+              </a:prstGeom>
+              <a:noFill/>
+              <a:ln w="28575">
+                <a:noFill/>
+              </a:ln>
+            </p:spPr>
+            <p:txBody>
+              <a:bodyPr wrap="square" rtlCol="0">
+                <a:spAutoFit/>
+              </a:bodyPr>
+              <a:lstStyle/>
+              <a:p>
+                <a:pPr algn="ctr"/>
+                <a:r>
+                  <a:rPr lang="en-US" sz="2400" b="1" dirty="0">
+                    <a:solidFill>
+                      <a:srgbClr val="002060"/>
+                    </a:solidFill>
+                  </a:rPr>
+                  <a:t>Smart Grid Planning</a:t>
+                </a:r>
+              </a:p>
+            </p:txBody>
+          </p:sp>
+        </p:grpSp>
+        <p:grpSp>
+          <p:nvGrpSpPr>
+            <p:cNvPr id="33" name="Group 32">
+              <a:extLst>
+                <a:ext uri="{FF2B5EF4-FFF2-40B4-BE49-F238E27FC236}">
+                  <a16:creationId xmlns:a16="http://schemas.microsoft.com/office/drawing/2014/main" id="{4DEA511B-7130-413E-A9D0-9D997F3E85C2}"/>
+                </a:ext>
+              </a:extLst>
+            </p:cNvPr>
+            <p:cNvGrpSpPr/>
+            <p:nvPr/>
+          </p:nvGrpSpPr>
+          <p:grpSpPr>
+            <a:xfrm>
+              <a:off x="967560" y="412527"/>
+              <a:ext cx="10089962" cy="2641052"/>
+              <a:chOff x="1089263" y="222672"/>
+              <a:chExt cx="10518497" cy="2753222"/>
+            </a:xfrm>
+          </p:grpSpPr>
+          <p:sp>
+            <p:nvSpPr>
+              <p:cNvPr id="34" name="Rectangle: Rounded Corners 33">
+                <a:extLst>
+                  <a:ext uri="{FF2B5EF4-FFF2-40B4-BE49-F238E27FC236}">
+                    <a16:creationId xmlns:a16="http://schemas.microsoft.com/office/drawing/2014/main" id="{A5FCC00D-3DB6-408B-8243-13B54DB148CE}"/>
+                  </a:ext>
+                </a:extLst>
+              </p:cNvPr>
+              <p:cNvSpPr/>
+              <p:nvPr/>
+            </p:nvSpPr>
+            <p:spPr>
+              <a:xfrm>
+                <a:off x="1089263" y="222672"/>
+                <a:ext cx="10518497" cy="2753222"/>
+              </a:xfrm>
+              <a:prstGeom prst="roundRect">
+                <a:avLst>
+                  <a:gd name="adj" fmla="val 447"/>
+                </a:avLst>
+              </a:prstGeom>
+              <a:solidFill>
+                <a:schemeClr val="accent5">
+                  <a:lumMod val="20000"/>
+                  <a:lumOff val="80000"/>
+                </a:schemeClr>
+              </a:solidFill>
+              <a:ln w="28575">
+                <a:solidFill>
+                  <a:srgbClr val="002060"/>
+                </a:solidFill>
+              </a:ln>
+            </p:spPr>
+            <p:style>
+              <a:lnRef idx="2">
+                <a:schemeClr val="accent1">
+                  <a:shade val="50000"/>
+                </a:schemeClr>
+              </a:lnRef>
+              <a:fillRef idx="1">
+                <a:schemeClr val="accent1"/>
+              </a:fillRef>
+              <a:effectRef idx="0">
+                <a:schemeClr val="accent1"/>
+              </a:effectRef>
+              <a:fontRef idx="minor">
+                <a:schemeClr val="lt1"/>
+              </a:fontRef>
+            </p:style>
+            <p:txBody>
+              <a:bodyPr rtlCol="0" anchor="ctr"/>
+              <a:lstStyle/>
+              <a:p>
+                <a:pPr algn="ctr"/>
+                <a:endParaRPr lang="en-US" sz="1801" dirty="0"/>
+              </a:p>
+            </p:txBody>
+          </p:sp>
+          <p:pic>
+            <p:nvPicPr>
+              <p:cNvPr id="35" name="Picture 34" descr="Logo&#10;&#10;Description automatically generated">
+                <a:extLst>
+                  <a:ext uri="{FF2B5EF4-FFF2-40B4-BE49-F238E27FC236}">
+                    <a16:creationId xmlns:a16="http://schemas.microsoft.com/office/drawing/2014/main" id="{1E45676A-0D0A-4D1B-B7AD-BB8BFE12EB91}"/>
+                  </a:ext>
+                </a:extLst>
+              </p:cNvPr>
+              <p:cNvPicPr>
+                <a:picLocks noChangeAspect="1"/>
+              </p:cNvPicPr>
+              <p:nvPr/>
+            </p:nvPicPr>
+            <p:blipFill>
+              <a:blip r:embed="rId5">
+                <a:extLst>
+                  <a:ext uri="{28A0092B-C50C-407E-A947-70E740481C1C}">
+                    <a14:useLocalDpi xmlns:a14="http://schemas.microsoft.com/office/drawing/2010/main" val="0"/>
+                  </a:ext>
+                </a:extLst>
+              </a:blip>
+              <a:stretch>
+                <a:fillRect/>
+              </a:stretch>
+            </p:blipFill>
+            <p:spPr>
+              <a:xfrm>
+                <a:off x="1480905" y="594718"/>
+                <a:ext cx="2297430" cy="2297430"/>
+              </a:xfrm>
+              <a:prstGeom prst="rect">
+                <a:avLst/>
+              </a:prstGeom>
+              <a:ln w="28575">
+                <a:noFill/>
+              </a:ln>
+            </p:spPr>
+          </p:pic>
+          <p:pic>
+            <p:nvPicPr>
+              <p:cNvPr id="36" name="Picture 35" descr="Background pattern&#10;&#10;Description automatically generated">
+                <a:extLst>
+                  <a:ext uri="{FF2B5EF4-FFF2-40B4-BE49-F238E27FC236}">
+                    <a16:creationId xmlns:a16="http://schemas.microsoft.com/office/drawing/2014/main" id="{265C7EA3-F178-4604-BEE7-3E5611C53831}"/>
+                  </a:ext>
+                </a:extLst>
+              </p:cNvPr>
+              <p:cNvPicPr>
+                <a:picLocks noChangeAspect="1"/>
+              </p:cNvPicPr>
+              <p:nvPr/>
+            </p:nvPicPr>
+            <p:blipFill>
+              <a:blip r:embed="rId6">
+                <a:extLst>
+                  <a:ext uri="{28A0092B-C50C-407E-A947-70E740481C1C}">
+                    <a14:useLocalDpi xmlns:a14="http://schemas.microsoft.com/office/drawing/2010/main" val="0"/>
+                  </a:ext>
+                </a:extLst>
+              </a:blip>
+              <a:stretch>
+                <a:fillRect/>
+              </a:stretch>
+            </p:blipFill>
+            <p:spPr>
+              <a:xfrm>
+                <a:off x="8269314" y="1009821"/>
+                <a:ext cx="2955186" cy="1467224"/>
+              </a:xfrm>
+              <a:prstGeom prst="rect">
+                <a:avLst/>
+              </a:prstGeom>
+              <a:ln w="28575">
+                <a:noFill/>
+              </a:ln>
+            </p:spPr>
+          </p:pic>
+          <p:sp>
+            <p:nvSpPr>
+              <p:cNvPr id="37" name="TextBox 36">
+                <a:extLst>
+                  <a:ext uri="{FF2B5EF4-FFF2-40B4-BE49-F238E27FC236}">
+                    <a16:creationId xmlns:a16="http://schemas.microsoft.com/office/drawing/2014/main" id="{09E0B720-CB5E-4325-8D96-41897F1E47BA}"/>
+                  </a:ext>
+                </a:extLst>
+              </p:cNvPr>
+              <p:cNvSpPr txBox="1"/>
+              <p:nvPr/>
+            </p:nvSpPr>
+            <p:spPr>
+              <a:xfrm>
+                <a:off x="3997480" y="866270"/>
+                <a:ext cx="4018108" cy="1754326"/>
+              </a:xfrm>
+              <a:prstGeom prst="rect">
+                <a:avLst/>
+              </a:prstGeom>
+              <a:noFill/>
+              <a:ln w="28575">
+                <a:noFill/>
+              </a:ln>
+            </p:spPr>
+            <p:txBody>
+              <a:bodyPr wrap="square" rtlCol="0">
+                <a:spAutoFit/>
+              </a:bodyPr>
+              <a:lstStyle/>
+              <a:p>
+                <a:pPr algn="ctr"/>
+                <a:r>
+                  <a:rPr lang="en-US" sz="3600" b="1" dirty="0">
+                    <a:solidFill>
+                      <a:srgbClr val="002060"/>
+                    </a:solidFill>
+                  </a:rPr>
+                  <a:t>USASCP</a:t>
+                </a:r>
+              </a:p>
+              <a:p>
+                <a:pPr algn="ctr"/>
+                <a:r>
+                  <a:rPr lang="en-US" sz="3600" dirty="0">
+                    <a:solidFill>
+                      <a:srgbClr val="002060"/>
+                    </a:solidFill>
+                  </a:rPr>
+                  <a:t>US-ASEAN Smart Cities Partnership</a:t>
+                </a:r>
+              </a:p>
+            </p:txBody>
+          </p:sp>
+        </p:grpSp>
+      </p:grpSp>
+    </p:spTree>
+    <p:extLst>
+      <p:ext uri="{BB962C8B-B14F-4D97-AF65-F5344CB8AC3E}">
+        <p14:creationId xmlns:p14="http://schemas.microsoft.com/office/powerpoint/2010/main" val="1410473119"/>
+      </p:ext>
+    </p:extLst>
+  </p:cSld>
+  <p:clrMapOvr>
+    <a:masterClrMapping/>
+  </p:clrMapOvr>
+</p:sld>
+</file>
+
+<file path=ppt/slides/slide8.xml><?xml version="1.0" encoding="utf-8"?>
 <p:sld xmlns:a="http://schemas.openxmlformats.org/drawingml/2006/main" xmlns:r="http://schemas.openxmlformats.org/officeDocument/2006/relationships" xmlns:p="http://schemas.openxmlformats.org/presentationml/2006/main">
   <p:cSld>
     <p:spTree>
@@ -9533,8 +11031,8 @@
         </p:nvSpPr>
         <p:spPr>
           <a:xfrm>
-            <a:off x="4734408" y="125723"/>
-            <a:ext cx="3666641" cy="1325563"/>
+            <a:off x="4734409" y="125724"/>
+            <a:ext cx="3666642" cy="1325563"/>
           </a:xfrm>
         </p:spPr>
         <p:txBody>
@@ -9565,8 +11063,8 @@
         </p:nvGrpSpPr>
         <p:grpSpPr>
           <a:xfrm>
-            <a:off x="5017770" y="1214234"/>
-            <a:ext cx="3235261" cy="1496084"/>
+            <a:off x="5017771" y="1214235"/>
+            <a:ext cx="3235260" cy="1496083"/>
             <a:chOff x="160020" y="1047636"/>
             <a:chExt cx="3469537" cy="1496084"/>
           </a:xfrm>
@@ -9619,7 +11117,7 @@
             <a:lstStyle/>
             <a:p>
               <a:pPr algn="ctr"/>
-              <a:endParaRPr lang="en-US"/>
+              <a:endParaRPr lang="en-US" sz="1801"/>
             </a:p>
           </p:txBody>
         </p:sp>
@@ -9703,8 +11201,8 @@
             </p:nvSpPr>
             <p:spPr>
               <a:xfrm>
-                <a:off x="1104632" y="1690575"/>
-                <a:ext cx="2330616" cy="461665"/>
+                <a:off x="1104633" y="1690575"/>
+                <a:ext cx="2330615" cy="461665"/>
               </a:xfrm>
               <a:prstGeom prst="rect">
                 <a:avLst/>
@@ -9740,8 +11238,8 @@
         </p:nvGrpSpPr>
         <p:grpSpPr>
           <a:xfrm>
-            <a:off x="5017770" y="2966258"/>
-            <a:ext cx="3033729" cy="1496084"/>
+            <a:off x="5017771" y="2966259"/>
+            <a:ext cx="3033730" cy="1496084"/>
             <a:chOff x="160020" y="3024936"/>
             <a:chExt cx="3253413" cy="1496084"/>
           </a:xfrm>
@@ -9794,7 +11292,7 @@
             <a:lstStyle/>
             <a:p>
               <a:pPr algn="ctr"/>
-              <a:endParaRPr lang="en-US"/>
+              <a:endParaRPr lang="en-US" sz="1801"/>
             </a:p>
           </p:txBody>
         </p:sp>
@@ -9878,8 +11376,8 @@
             </p:nvSpPr>
             <p:spPr>
               <a:xfrm>
-                <a:off x="1105676" y="3243567"/>
-                <a:ext cx="2113447" cy="830997"/>
+                <a:off x="1105674" y="3243567"/>
+                <a:ext cx="2113449" cy="830997"/>
               </a:xfrm>
               <a:prstGeom prst="rect">
                 <a:avLst/>
@@ -9915,7 +11413,7 @@
         </p:nvGrpSpPr>
         <p:grpSpPr>
           <a:xfrm>
-            <a:off x="5017770" y="4718282"/>
+            <a:off x="5017771" y="4718282"/>
             <a:ext cx="3193602" cy="1496084"/>
             <a:chOff x="160020" y="5004926"/>
             <a:chExt cx="3424861" cy="1496084"/>
@@ -9969,7 +11467,7 @@
             <a:lstStyle/>
             <a:p>
               <a:pPr algn="ctr"/>
-              <a:endParaRPr lang="en-US"/>
+              <a:endParaRPr lang="en-US" sz="1801"/>
             </a:p>
           </p:txBody>
         </p:sp>
@@ -10053,7 +11551,7 @@
             </p:nvSpPr>
             <p:spPr>
               <a:xfrm>
-                <a:off x="1105676" y="5145839"/>
+                <a:off x="1105676" y="5145840"/>
                 <a:ext cx="2284895" cy="461665"/>
               </a:xfrm>
               <a:prstGeom prst="rect">
@@ -10092,7 +11590,7 @@
         </p:nvSpPr>
         <p:spPr>
           <a:xfrm>
-            <a:off x="9008745" y="125723"/>
+            <a:off x="9008746" y="125724"/>
             <a:ext cx="3183255" cy="1325563"/>
           </a:xfrm>
           <a:prstGeom prst="rect">
@@ -10100,7 +11598,7 @@
           </a:prstGeom>
         </p:spPr>
         <p:txBody>
-          <a:bodyPr vert="horz" lIns="91440" tIns="45720" rIns="91440" bIns="45720" rtlCol="0" anchor="ctr">
+          <a:bodyPr vert="horz" lIns="91440" tIns="45721" rIns="91440" bIns="45721" rtlCol="0" anchor="ctr">
             <a:normAutofit/>
           </a:bodyPr>
           <a:lstStyle>
@@ -10145,10 +11643,10 @@
         </p:nvGrpSpPr>
         <p:grpSpPr>
           <a:xfrm>
-            <a:off x="9003029" y="1276236"/>
-            <a:ext cx="3183255" cy="1509172"/>
-            <a:chOff x="4556760" y="1233283"/>
-            <a:chExt cx="3183255" cy="1509172"/>
+            <a:off x="9003030" y="1276729"/>
+            <a:ext cx="3061379" cy="1508680"/>
+            <a:chOff x="4556760" y="1233775"/>
+            <a:chExt cx="3061379" cy="1508681"/>
           </a:xfrm>
         </p:grpSpPr>
         <p:sp>
@@ -10165,8 +11663,8 @@
           </p:nvSpPr>
           <p:spPr>
             <a:xfrm>
-              <a:off x="4556760" y="1233283"/>
-              <a:ext cx="3183255" cy="1496084"/>
+              <a:off x="4556760" y="1233775"/>
+              <a:ext cx="3061379" cy="1496084"/>
             </a:xfrm>
             <a:prstGeom prst="roundRect">
               <a:avLst/>
@@ -10206,7 +11704,7 @@
             <a:lstStyle/>
             <a:p>
               <a:pPr algn="ctr"/>
-              <a:endParaRPr lang="en-US"/>
+              <a:endParaRPr lang="en-US" sz="1801"/>
             </a:p>
           </p:txBody>
         </p:sp>
@@ -10225,7 +11723,7 @@
           <p:spPr>
             <a:xfrm>
               <a:off x="4766310" y="1265127"/>
-              <a:ext cx="2973705" cy="1477328"/>
+              <a:ext cx="2851829" cy="1477329"/>
             </a:xfrm>
             <a:prstGeom prst="rect">
               <a:avLst/>
@@ -10238,9 +11736,9 @@
             </a:bodyPr>
             <a:lstStyle/>
             <a:p>
-              <a:pPr marL="342900" indent="-342900">
+              <a:pPr marL="342904" indent="-342904">
                 <a:spcAft>
-                  <a:spcPts val="600"/>
+                  <a:spcPts val="601"/>
                 </a:spcAft>
                 <a:buFont typeface="Arial" panose="020B0604020202020204" pitchFamily="34" charset="0"/>
                 <a:buChar char="•"/>
@@ -10251,9 +11749,9 @@
               </a:r>
             </a:p>
             <a:p>
-              <a:pPr marL="342900" indent="-342900">
+              <a:pPr marL="342904" indent="-342904">
                 <a:spcAft>
-                  <a:spcPts val="600"/>
+                  <a:spcPts val="601"/>
                 </a:spcAft>
                 <a:buFont typeface="Arial" panose="020B0604020202020204" pitchFamily="34" charset="0"/>
                 <a:buChar char="•"/>
@@ -10264,9 +11762,9 @@
               </a:r>
             </a:p>
             <a:p>
-              <a:pPr marL="342900" indent="-342900">
+              <a:pPr marL="342904" indent="-342904">
                 <a:spcAft>
-                  <a:spcPts val="600"/>
+                  <a:spcPts val="601"/>
                 </a:spcAft>
                 <a:buFont typeface="Arial" panose="020B0604020202020204" pitchFamily="34" charset="0"/>
                 <a:buChar char="•"/>
@@ -10293,10 +11791,10 @@
         </p:nvGrpSpPr>
         <p:grpSpPr>
           <a:xfrm>
-            <a:off x="9003029" y="5293534"/>
-            <a:ext cx="3183255" cy="461665"/>
-            <a:chOff x="4556760" y="5894402"/>
-            <a:chExt cx="3183255" cy="461665"/>
+            <a:off x="9045910" y="5293536"/>
+            <a:ext cx="3140375" cy="461666"/>
+            <a:chOff x="4599640" y="5894402"/>
+            <a:chExt cx="3140375" cy="461665"/>
           </a:xfrm>
         </p:grpSpPr>
         <p:sp>
@@ -10313,8 +11811,8 @@
           </p:nvSpPr>
           <p:spPr>
             <a:xfrm>
-              <a:off x="4556760" y="5894402"/>
-              <a:ext cx="3183255" cy="461665"/>
+              <a:off x="4599640" y="5894402"/>
+              <a:ext cx="3018497" cy="461665"/>
             </a:xfrm>
             <a:prstGeom prst="roundRect">
               <a:avLst/>
@@ -10354,7 +11852,7 @@
             <a:lstStyle/>
             <a:p>
               <a:pPr algn="ctr"/>
-              <a:endParaRPr lang="en-US"/>
+              <a:endParaRPr lang="en-US" sz="1801"/>
             </a:p>
           </p:txBody>
         </p:sp>
@@ -10372,7 +11870,7 @@
           </p:nvSpPr>
           <p:spPr>
             <a:xfrm>
-              <a:off x="4770120" y="5924604"/>
+              <a:off x="4770120" y="5924605"/>
               <a:ext cx="2969895" cy="400110"/>
             </a:xfrm>
             <a:prstGeom prst="rect">
@@ -10386,7 +11884,7 @@
             </a:bodyPr>
             <a:lstStyle/>
             <a:p>
-              <a:pPr marL="342900" indent="-342900">
+              <a:pPr marL="342904" indent="-342904">
                 <a:buFont typeface="Arial" panose="020B0604020202020204" pitchFamily="34" charset="0"/>
                 <a:buChar char="•"/>
               </a:pPr>
@@ -10412,8 +11910,8 @@
         </p:nvGrpSpPr>
         <p:grpSpPr>
           <a:xfrm>
-            <a:off x="9003029" y="3323277"/>
-            <a:ext cx="3183256" cy="836126"/>
+            <a:off x="9003029" y="3323276"/>
+            <a:ext cx="3061379" cy="836126"/>
             <a:chOff x="4556760" y="3813805"/>
             <a:chExt cx="3183256" cy="836126"/>
           </a:xfrm>
@@ -10473,7 +11971,7 @@
             <a:lstStyle/>
             <a:p>
               <a:pPr algn="ctr"/>
-              <a:endParaRPr lang="en-US"/>
+              <a:endParaRPr lang="en-US" sz="1801" dirty="0"/>
             </a:p>
           </p:txBody>
         </p:sp>
@@ -10505,9 +12003,9 @@
             </a:bodyPr>
             <a:lstStyle/>
             <a:p>
-              <a:pPr marL="342900" indent="-342900">
+              <a:pPr marL="342904" indent="-342904">
                 <a:spcAft>
-                  <a:spcPts val="600"/>
+                  <a:spcPts val="601"/>
                 </a:spcAft>
                 <a:buFont typeface="Arial" panose="020B0604020202020204" pitchFamily="34" charset="0"/>
                 <a:buChar char="•"/>
@@ -10518,9 +12016,9 @@
               </a:r>
             </a:p>
             <a:p>
-              <a:pPr marL="342900" indent="-342900">
+              <a:pPr marL="342904" indent="-342904">
                 <a:spcAft>
-                  <a:spcPts val="600"/>
+                  <a:spcPts val="601"/>
                 </a:spcAft>
                 <a:buFont typeface="Arial" panose="020B0604020202020204" pitchFamily="34" charset="0"/>
                 <a:buChar char="•"/>
@@ -10549,15 +12047,15 @@
         </p:nvSpPr>
         <p:spPr>
           <a:xfrm>
-            <a:off x="27818" y="7822"/>
-            <a:ext cx="3995542" cy="1325563"/>
+            <a:off x="27819" y="7824"/>
+            <a:ext cx="3995541" cy="1325563"/>
           </a:xfrm>
           <a:prstGeom prst="rect">
             <a:avLst/>
           </a:prstGeom>
         </p:spPr>
         <p:txBody>
-          <a:bodyPr vert="horz" lIns="91440" tIns="45720" rIns="91440" bIns="45720" rtlCol="0" anchor="ctr">
+          <a:bodyPr vert="horz" lIns="91440" tIns="45721" rIns="91440" bIns="45721" rtlCol="0" anchor="ctr">
             <a:normAutofit/>
           </a:bodyPr>
           <a:lstStyle>
@@ -10602,10 +12100,10 @@
         </p:nvGrpSpPr>
         <p:grpSpPr>
           <a:xfrm>
-            <a:off x="17146" y="1289324"/>
-            <a:ext cx="4084256" cy="4983086"/>
-            <a:chOff x="160020" y="1047636"/>
-            <a:chExt cx="3623977" cy="1496084"/>
+            <a:off x="127591" y="1289237"/>
+            <a:ext cx="3973812" cy="4983086"/>
+            <a:chOff x="258017" y="1047610"/>
+            <a:chExt cx="3525980" cy="1496084"/>
           </a:xfrm>
         </p:grpSpPr>
         <p:sp>
@@ -10622,8 +12120,8 @@
           </p:nvSpPr>
           <p:spPr>
             <a:xfrm>
-              <a:off x="160020" y="1047636"/>
-              <a:ext cx="3554730" cy="1496084"/>
+              <a:off x="258017" y="1047610"/>
+              <a:ext cx="3456733" cy="1496084"/>
             </a:xfrm>
             <a:prstGeom prst="roundRect">
               <a:avLst/>
@@ -10663,7 +12161,7 @@
             <a:lstStyle/>
             <a:p>
               <a:pPr algn="ctr"/>
-              <a:endParaRPr lang="en-US"/>
+              <a:endParaRPr lang="en-US" sz="1801" dirty="0"/>
             </a:p>
           </p:txBody>
         </p:sp>
@@ -10681,8 +12179,8 @@
           </p:nvSpPr>
           <p:spPr>
             <a:xfrm>
-              <a:off x="1376367" y="1210471"/>
-              <a:ext cx="2407630" cy="1192018"/>
+              <a:off x="1376366" y="1210471"/>
+              <a:ext cx="2407631" cy="1192018"/>
             </a:xfrm>
             <a:prstGeom prst="rect">
               <a:avLst/>
@@ -10701,7 +12199,7 @@
               </a:r>
             </a:p>
             <a:p>
-              <a:pPr marL="342900" indent="-342900">
+              <a:pPr marL="342904" indent="-342904">
                 <a:buFont typeface="Arial" panose="020B0604020202020204" pitchFamily="34" charset="0"/>
                 <a:buChar char="•"/>
               </a:pPr>
@@ -10711,7 +12209,7 @@
               </a:r>
             </a:p>
             <a:p>
-              <a:pPr marL="342900" indent="-342900">
+              <a:pPr marL="342904" indent="-342904">
                 <a:spcAft>
                   <a:spcPts val="2400"/>
                 </a:spcAft>
@@ -10730,7 +12228,7 @@
               </a:r>
             </a:p>
             <a:p>
-              <a:pPr marL="342900" indent="-342900">
+              <a:pPr marL="342904" indent="-342904">
                 <a:buFont typeface="Arial" panose="020B0604020202020204" pitchFamily="34" charset="0"/>
                 <a:buChar char="•"/>
               </a:pPr>
@@ -10740,7 +12238,7 @@
               </a:r>
             </a:p>
             <a:p>
-              <a:pPr marL="342900" indent="-342900">
+              <a:pPr marL="342904" indent="-342904">
                 <a:spcAft>
                   <a:spcPts val="2400"/>
                 </a:spcAft>
@@ -10759,7 +12257,7 @@
               </a:r>
             </a:p>
             <a:p>
-              <a:pPr marL="342900" indent="-342900">
+              <a:pPr marL="342904" indent="-342904">
                 <a:buFont typeface="Arial" panose="020B0604020202020204" pitchFamily="34" charset="0"/>
                 <a:buChar char="•"/>
               </a:pPr>
@@ -10769,7 +12267,7 @@
               </a:r>
             </a:p>
             <a:p>
-              <a:pPr marL="342900" indent="-342900">
+              <a:pPr marL="342904" indent="-342904">
                 <a:buFont typeface="Arial" panose="020B0604020202020204" pitchFamily="34" charset="0"/>
                 <a:buChar char="•"/>
               </a:pPr>
@@ -10819,7 +12317,7 @@
         </p:blipFill>
         <p:spPr>
           <a:xfrm>
-            <a:off x="27818" y="1695371"/>
+            <a:off x="27820" y="1695373"/>
             <a:ext cx="1325879" cy="1325879"/>
           </a:xfrm>
           <a:prstGeom prst="rect">
@@ -10865,7 +12363,7 @@
         </p:blipFill>
         <p:spPr>
           <a:xfrm>
-            <a:off x="27818" y="3060571"/>
+            <a:off x="27820" y="3060573"/>
             <a:ext cx="1325879" cy="1325879"/>
           </a:xfrm>
           <a:prstGeom prst="rect">
@@ -10911,7 +12409,7 @@
         </p:blipFill>
         <p:spPr>
           <a:xfrm>
-            <a:off x="30816" y="4468929"/>
+            <a:off x="30817" y="4468930"/>
             <a:ext cx="1325879" cy="1325879"/>
           </a:xfrm>
           <a:prstGeom prst="rect">
@@ -10933,7 +12431,7 @@
         </p:nvSpPr>
         <p:spPr>
           <a:xfrm rot="16200000">
-            <a:off x="8442918" y="1666365"/>
+            <a:off x="8442917" y="1666365"/>
             <a:ext cx="182880" cy="660071"/>
           </a:xfrm>
           <a:prstGeom prst="downArrow">
@@ -10967,7 +12465,7 @@
           <a:lstStyle/>
           <a:p>
             <a:pPr algn="ctr"/>
-            <a:endParaRPr lang="en-US"/>
+            <a:endParaRPr lang="en-US" sz="1801"/>
           </a:p>
         </p:txBody>
       </p:sp>
@@ -10985,7 +12483,7 @@
         </p:nvSpPr>
         <p:spPr>
           <a:xfrm rot="16200000">
-            <a:off x="8449062" y="3454459"/>
+            <a:off x="8449061" y="3454460"/>
             <a:ext cx="182880" cy="660071"/>
           </a:xfrm>
           <a:prstGeom prst="downArrow">
@@ -11019,7 +12517,7 @@
           <a:lstStyle/>
           <a:p>
             <a:pPr algn="ctr"/>
-            <a:endParaRPr lang="en-US"/>
+            <a:endParaRPr lang="en-US" sz="1801"/>
           </a:p>
         </p:txBody>
       </p:sp>
@@ -11037,7 +12535,7 @@
         </p:nvSpPr>
         <p:spPr>
           <a:xfrm rot="16200000">
-            <a:off x="8449967" y="5230704"/>
+            <a:off x="8449966" y="5230705"/>
             <a:ext cx="182880" cy="660071"/>
           </a:xfrm>
           <a:prstGeom prst="downArrow">
@@ -11071,7 +12569,7 @@
           <a:lstStyle/>
           <a:p>
             <a:pPr algn="ctr"/>
-            <a:endParaRPr lang="en-US"/>
+            <a:endParaRPr lang="en-US" sz="1801"/>
           </a:p>
         </p:txBody>
       </p:sp>
@@ -11089,7 +12587,7 @@
         </p:nvSpPr>
         <p:spPr>
           <a:xfrm rot="12768859">
-            <a:off x="8459677" y="4202156"/>
+            <a:off x="8459676" y="4202156"/>
             <a:ext cx="182880" cy="1280160"/>
           </a:xfrm>
           <a:prstGeom prst="downArrow">
@@ -11123,7 +12621,7 @@
           <a:lstStyle/>
           <a:p>
             <a:pPr algn="ctr"/>
-            <a:endParaRPr lang="en-US"/>
+            <a:endParaRPr lang="en-US" sz="1801"/>
           </a:p>
         </p:txBody>
       </p:sp>
@@ -11141,8 +12639,8 @@
         </p:nvSpPr>
         <p:spPr>
           <a:xfrm rot="16200000">
-            <a:off x="2118382" y="3260468"/>
-            <a:ext cx="4774618" cy="920453"/>
+            <a:off x="2118383" y="3260470"/>
+            <a:ext cx="4774619" cy="920453"/>
           </a:xfrm>
           <a:prstGeom prst="triangle">
             <a:avLst/>
@@ -11198,7 +12696,7 @@
           <a:lstStyle/>
           <a:p>
             <a:pPr algn="ctr"/>
-            <a:endParaRPr lang="en-US"/>
+            <a:endParaRPr lang="en-US" sz="1801"/>
           </a:p>
         </p:txBody>
       </p:sp>
@@ -11215,7 +12713,7 @@
 </p:sld>
 </file>
 
-<file path=ppt/slides/slide7.xml><?xml version="1.0" encoding="utf-8"?>
+<file path=ppt/slides/slide9.xml><?xml version="1.0" encoding="utf-8"?>
 <p:sld xmlns:a="http://schemas.openxmlformats.org/drawingml/2006/main" xmlns:r="http://schemas.openxmlformats.org/officeDocument/2006/relationships" xmlns:p="http://schemas.openxmlformats.org/presentationml/2006/main">
   <p:cSld>
     <p:spTree>
@@ -11234,63 +12732,88 @@
       </p:grpSpPr>
       <p:sp>
         <p:nvSpPr>
-          <p:cNvPr id="46" name="Title 1">
+          <p:cNvPr id="2" name="Title 1">
             <a:extLst>
               <a:ext uri="{FF2B5EF4-FFF2-40B4-BE49-F238E27FC236}">
-                <a16:creationId xmlns:a16="http://schemas.microsoft.com/office/drawing/2014/main" id="{3FBDF84F-082A-4B6C-B537-AF318E0EC23F}"/>
+                <a16:creationId xmlns:a16="http://schemas.microsoft.com/office/drawing/2014/main" id="{505E6F5D-EE74-4D23-95BA-7921BDE76C95}"/>
               </a:ext>
             </a:extLst>
           </p:cNvPr>
-          <p:cNvSpPr txBox="1">
-            <a:spLocks/>
+          <p:cNvSpPr>
+            <a:spLocks noGrp="1"/>
           </p:cNvSpPr>
+          <p:nvPr>
+            <p:ph type="title"/>
+          </p:nvPr>
+        </p:nvSpPr>
+        <p:spPr/>
+        <p:txBody>
+          <a:bodyPr/>
+          <a:lstStyle/>
+          <a:p>
+            <a:endParaRPr lang="en-US" dirty="0"/>
+          </a:p>
+        </p:txBody>
+      </p:sp>
+      <p:sp>
+        <p:nvSpPr>
+          <p:cNvPr id="3" name="Content Placeholder 2">
+            <a:extLst>
+              <a:ext uri="{FF2B5EF4-FFF2-40B4-BE49-F238E27FC236}">
+                <a16:creationId xmlns:a16="http://schemas.microsoft.com/office/drawing/2014/main" id="{22859909-277F-4075-8F3C-6DDA6E2DA3FA}"/>
+              </a:ext>
+            </a:extLst>
+          </p:cNvPr>
+          <p:cNvSpPr>
+            <a:spLocks noGrp="1"/>
+          </p:cNvSpPr>
+          <p:nvPr>
+            <p:ph idx="1"/>
+          </p:nvPr>
+        </p:nvSpPr>
+        <p:spPr/>
+        <p:txBody>
+          <a:bodyPr/>
+          <a:lstStyle/>
+          <a:p>
+            <a:endParaRPr lang="en-US"/>
+          </a:p>
+        </p:txBody>
+      </p:sp>
+      <p:pic>
+        <p:nvPicPr>
+          <p:cNvPr id="5" name="Picture 4">
+            <a:extLst>
+              <a:ext uri="{FF2B5EF4-FFF2-40B4-BE49-F238E27FC236}">
+                <a16:creationId xmlns:a16="http://schemas.microsoft.com/office/drawing/2014/main" id="{D9CC3596-FE47-4C96-BBE2-3FB149F807F0}"/>
+              </a:ext>
+            </a:extLst>
+          </p:cNvPr>
+          <p:cNvPicPr>
+            <a:picLocks noChangeAspect="1"/>
+          </p:cNvPicPr>
           <p:nvPr/>
-        </p:nvSpPr>
+        </p:nvPicPr>
+        <p:blipFill>
+          <a:blip r:embed="rId2"/>
+          <a:stretch>
+            <a:fillRect/>
+          </a:stretch>
+        </p:blipFill>
         <p:spPr>
           <a:xfrm>
-            <a:off x="27818" y="7822"/>
-            <a:ext cx="12164182" cy="1325563"/>
+            <a:off x="665992" y="590154"/>
+            <a:ext cx="10860016" cy="5677692"/>
           </a:xfrm>
           <a:prstGeom prst="rect">
             <a:avLst/>
           </a:prstGeom>
         </p:spPr>
-        <p:txBody>
-          <a:bodyPr vert="horz" lIns="91440" tIns="45720" rIns="91440" bIns="45720" rtlCol="0" anchor="ctr">
-            <a:normAutofit/>
-          </a:bodyPr>
-          <a:lstStyle>
-            <a:lvl1pPr algn="l" defTabSz="914400" rtl="0" eaLnBrk="1" latinLnBrk="0" hangingPunct="1">
-              <a:lnSpc>
-                <a:spcPct val="90000"/>
-              </a:lnSpc>
-              <a:spcBef>
-                <a:spcPct val="0"/>
-              </a:spcBef>
-              <a:buNone/>
-              <a:defRPr sz="4400" kern="1200">
-                <a:solidFill>
-                  <a:schemeClr val="tx1"/>
-                </a:solidFill>
-                <a:latin typeface="+mj-lt"/>
-                <a:ea typeface="+mj-ea"/>
-                <a:cs typeface="+mj-cs"/>
-              </a:defRPr>
-            </a:lvl1pPr>
-          </a:lstStyle>
-          <a:p>
-            <a:pPr algn="ctr"/>
-            <a:r>
-              <a:rPr lang="en-US" sz="2800" b="1" dirty="0"/>
-              <a:t>Thailand’s long-term low emissions development strategy</a:t>
-            </a:r>
-          </a:p>
-        </p:txBody>
-      </p:sp>
+      </p:pic>
     </p:spTree>
     <p:extLst>
       <p:ext uri="{BB962C8B-B14F-4D97-AF65-F5344CB8AC3E}">
-        <p14:creationId xmlns:p14="http://schemas.microsoft.com/office/powerpoint/2010/main" val="1146007944"/>
+        <p14:creationId xmlns:p14="http://schemas.microsoft.com/office/powerpoint/2010/main" val="3791769411"/>
       </p:ext>
     </p:extLst>
   </p:cSld>
